--- a/N-Queens Problem Complexidade.pptx
+++ b/N-Queens Problem Complexidade.pptx
@@ -5,7 +5,7 @@
     <p:sldMasterId id="2147483660" r:id="rId1"/>
   </p:sldMasterIdLst>
   <p:sldIdLst>
-    <p:sldId id="256" r:id="rId2"/>
+    <p:sldId id="263" r:id="rId2"/>
     <p:sldId id="257" r:id="rId3"/>
     <p:sldId id="258" r:id="rId4"/>
     <p:sldId id="259" r:id="rId5"/>
@@ -110,6 +110,11 @@
       </a:defRPr>
     </a:lvl9pPr>
   </p:defaultTextStyle>
+  <p:extLst>
+    <p:ext uri="{EFAFB233-063F-42B5-8137-9DF3F51BA10A}">
+      <p15:sldGuideLst xmlns:p15="http://schemas.microsoft.com/office/powerpoint/2012/main"/>
+    </p:ext>
+  </p:extLst>
 </p:presentation>
 </file>
 
@@ -3886,23 +3891,64 @@
           </a:p>
         </p:txBody>
       </p:sp>
+      <p:pic>
+        <p:nvPicPr>
+          <p:cNvPr id="2050" name="Picture 2" descr="http://www.clker.com/cliparts/3/2/8/3/122054664916136449portablejim_Chess_tile_-_Queen_1.svg.hi.png"/>
+          <p:cNvPicPr>
+            <a:picLocks noChangeAspect="1" noChangeArrowheads="1"/>
+          </p:cNvPicPr>
+          <p:nvPr/>
+        </p:nvPicPr>
+        <p:blipFill>
+          <a:blip r:embed="rId2">
+            <a:extLst>
+              <a:ext uri="{28A0092B-C50C-407E-A947-70E740481C1C}">
+                <a14:useLocalDpi xmlns:a14="http://schemas.microsoft.com/office/drawing/2010/main" val="0"/>
+              </a:ext>
+            </a:extLst>
+          </a:blip>
+          <a:srcRect/>
+          <a:stretch>
+            <a:fillRect/>
+          </a:stretch>
+        </p:blipFill>
+        <p:spPr bwMode="auto">
+          <a:xfrm>
+            <a:off x="9020856" y="3007112"/>
+            <a:ext cx="1178220" cy="1105563"/>
+          </a:xfrm>
+          <a:prstGeom prst="rect">
+            <a:avLst/>
+          </a:prstGeom>
+          <a:noFill/>
+          <a:extLst>
+            <a:ext uri="{909E8E84-426E-40DD-AFC4-6F175D3DCCD1}">
+              <a14:hiddenFill xmlns:a14="http://schemas.microsoft.com/office/drawing/2010/main">
+                <a:solidFill>
+                  <a:srgbClr val="FFFFFF"/>
+                </a:solidFill>
+              </a14:hiddenFill>
+            </a:ext>
+          </a:extLst>
+        </p:spPr>
+      </p:pic>
     </p:spTree>
     <p:extLst>
       <p:ext uri="{BB962C8B-B14F-4D97-AF65-F5344CB8AC3E}">
-        <p14:creationId xmlns:p14="http://schemas.microsoft.com/office/powerpoint/2010/main" val="3564487145"/>
+        <p14:creationId xmlns:p14="http://schemas.microsoft.com/office/powerpoint/2010/main" val="1069121410"/>
       </p:ext>
     </p:extLst>
   </p:cSld>
   <p:clrMapOvr>
     <a:masterClrMapping/>
   </p:clrMapOvr>
-  <mc:AlternateContent xmlns:mc="http://schemas.openxmlformats.org/markup-compatibility/2006">
-    <mc:Choice xmlns:p14="http://schemas.microsoft.com/office/powerpoint/2010/main" Requires="p14">
+  <mc:AlternateContent xmlns:mc="http://schemas.openxmlformats.org/markup-compatibility/2006" xmlns:p14="http://schemas.microsoft.com/office/powerpoint/2010/main">
+    <mc:Choice Requires="p14">
       <p:transition spd="slow" p14:dur="3400">
         <p14:reveal/>
       </p:transition>
     </mc:Choice>
-    <mc:Fallback>
+    <mc:Fallback xmlns="">
       <p:transition spd="slow">
         <p:fade/>
       </p:transition>
@@ -5158,7 +5204,6 @@
               <a:rPr lang="pt-BR" dirty="0"/>
               <a:t>y = n ^ 1.740 </a:t>
             </a:r>
-            <a:endParaRPr lang="pt-BR" dirty="0"/>
           </a:p>
         </p:txBody>
       </p:sp>
@@ -5319,13 +5364,13 @@
   <p:clrMapOvr>
     <a:masterClrMapping/>
   </p:clrMapOvr>
-  <mc:AlternateContent xmlns:mc="http://schemas.openxmlformats.org/markup-compatibility/2006">
-    <mc:Choice xmlns:p14="http://schemas.microsoft.com/office/powerpoint/2010/main" Requires="p14">
+  <mc:AlternateContent xmlns:mc="http://schemas.openxmlformats.org/markup-compatibility/2006" xmlns:p14="http://schemas.microsoft.com/office/powerpoint/2010/main">
+    <mc:Choice Requires="p14">
       <p:transition spd="slow" p14:dur="3400">
         <p14:reveal/>
       </p:transition>
     </mc:Choice>
-    <mc:Fallback>
+    <mc:Fallback xmlns="">
       <p:transition spd="slow">
         <p:fade/>
       </p:transition>

--- a/N-Queens Problem Complexidade.pptx
+++ b/N-Queens Problem Complexidade.pptx
@@ -4,14 +4,18 @@
   <p:sldMasterIdLst>
     <p:sldMasterId id="2147483660" r:id="rId1"/>
   </p:sldMasterIdLst>
+  <p:notesMasterIdLst>
+    <p:notesMasterId r:id="rId10"/>
+  </p:notesMasterIdLst>
   <p:sldIdLst>
     <p:sldId id="263" r:id="rId2"/>
     <p:sldId id="257" r:id="rId3"/>
     <p:sldId id="258" r:id="rId4"/>
-    <p:sldId id="259" r:id="rId5"/>
-    <p:sldId id="260" r:id="rId6"/>
-    <p:sldId id="261" r:id="rId7"/>
-    <p:sldId id="262" r:id="rId8"/>
+    <p:sldId id="260" r:id="rId5"/>
+    <p:sldId id="261" r:id="rId6"/>
+    <p:sldId id="264" r:id="rId7"/>
+    <p:sldId id="265" r:id="rId8"/>
+    <p:sldId id="262" r:id="rId9"/>
   </p:sldIdLst>
   <p:sldSz cx="12192000" cy="6858000"/>
   <p:notesSz cx="6858000" cy="9144000"/>
@@ -118,6 +122,359 @@
 </p:presentation>
 </file>
 
+<file path=ppt/revisionInfo.xml><?xml version="1.0" encoding="utf-8"?>
+<p1510:revInfo xmlns:a="http://schemas.openxmlformats.org/drawingml/2006/main" xmlns:r="http://schemas.openxmlformats.org/officeDocument/2006/relationships" xmlns:p1510="http://schemas.microsoft.com/office/powerpoint/2015/10/main"/>
+</file>
+
+<file path=ppt/notesMasters/notesMaster1.xml><?xml version="1.0" encoding="utf-8"?>
+<p:notesMaster xmlns:a="http://schemas.openxmlformats.org/drawingml/2006/main" xmlns:r="http://schemas.openxmlformats.org/officeDocument/2006/relationships" xmlns:p="http://schemas.openxmlformats.org/presentationml/2006/main">
+  <p:cSld>
+    <p:bg>
+      <p:bgRef idx="1001">
+        <a:schemeClr val="bg1"/>
+      </p:bgRef>
+    </p:bg>
+    <p:spTree>
+      <p:nvGrpSpPr>
+        <p:cNvPr id="1" name=""/>
+        <p:cNvGrpSpPr/>
+        <p:nvPr/>
+      </p:nvGrpSpPr>
+      <p:grpSpPr>
+        <a:xfrm>
+          <a:off x="0" y="0"/>
+          <a:ext cx="0" cy="0"/>
+          <a:chOff x="0" y="0"/>
+          <a:chExt cx="0" cy="0"/>
+        </a:xfrm>
+      </p:grpSpPr>
+      <p:sp>
+        <p:nvSpPr>
+          <p:cNvPr id="2" name="Espaço Reservado para Cabeçalho 1"/>
+          <p:cNvSpPr>
+            <a:spLocks noGrp="1"/>
+          </p:cNvSpPr>
+          <p:nvPr>
+            <p:ph type="hdr" sz="quarter"/>
+          </p:nvPr>
+        </p:nvSpPr>
+        <p:spPr>
+          <a:xfrm>
+            <a:off x="0" y="0"/>
+            <a:ext cx="2971800" cy="458788"/>
+          </a:xfrm>
+          <a:prstGeom prst="rect">
+            <a:avLst/>
+          </a:prstGeom>
+        </p:spPr>
+        <p:txBody>
+          <a:bodyPr vert="horz" lIns="91440" tIns="45720" rIns="91440" bIns="45720" rtlCol="0"/>
+          <a:lstStyle>
+            <a:lvl1pPr algn="l">
+              <a:defRPr sz="1200"/>
+            </a:lvl1pPr>
+          </a:lstStyle>
+          <a:p>
+            <a:endParaRPr lang="pt-BR"/>
+          </a:p>
+        </p:txBody>
+      </p:sp>
+      <p:sp>
+        <p:nvSpPr>
+          <p:cNvPr id="3" name="Espaço Reservado para Data 2"/>
+          <p:cNvSpPr>
+            <a:spLocks noGrp="1"/>
+          </p:cNvSpPr>
+          <p:nvPr>
+            <p:ph type="dt" idx="1"/>
+          </p:nvPr>
+        </p:nvSpPr>
+        <p:spPr>
+          <a:xfrm>
+            <a:off x="3884613" y="0"/>
+            <a:ext cx="2971800" cy="458788"/>
+          </a:xfrm>
+          <a:prstGeom prst="rect">
+            <a:avLst/>
+          </a:prstGeom>
+        </p:spPr>
+        <p:txBody>
+          <a:bodyPr vert="horz" lIns="91440" tIns="45720" rIns="91440" bIns="45720" rtlCol="0"/>
+          <a:lstStyle>
+            <a:lvl1pPr algn="r">
+              <a:defRPr sz="1200"/>
+            </a:lvl1pPr>
+          </a:lstStyle>
+          <a:p>
+            <a:fld id="{2679AC58-E92A-45B8-9933-2E9EA40F36A0}" type="datetimeFigureOut">
+              <a:rPr lang="pt-BR" smtClean="0"/>
+              <a:t>19/05/2017</a:t>
+            </a:fld>
+            <a:endParaRPr lang="pt-BR"/>
+          </a:p>
+        </p:txBody>
+      </p:sp>
+      <p:sp>
+        <p:nvSpPr>
+          <p:cNvPr id="4" name="Espaço Reservado para Imagem de Slide 3"/>
+          <p:cNvSpPr>
+            <a:spLocks noGrp="1" noRot="1" noChangeAspect="1"/>
+          </p:cNvSpPr>
+          <p:nvPr>
+            <p:ph type="sldImg" idx="2"/>
+          </p:nvPr>
+        </p:nvSpPr>
+        <p:spPr>
+          <a:xfrm>
+            <a:off x="685800" y="1143000"/>
+            <a:ext cx="5486400" cy="3086100"/>
+          </a:xfrm>
+          <a:prstGeom prst="rect">
+            <a:avLst/>
+          </a:prstGeom>
+          <a:noFill/>
+          <a:ln w="12700">
+            <a:solidFill>
+              <a:prstClr val="black"/>
+            </a:solidFill>
+          </a:ln>
+        </p:spPr>
+        <p:txBody>
+          <a:bodyPr vert="horz" lIns="91440" tIns="45720" rIns="91440" bIns="45720" rtlCol="0" anchor="ctr"/>
+          <a:lstStyle/>
+          <a:p>
+            <a:endParaRPr lang="pt-BR"/>
+          </a:p>
+        </p:txBody>
+      </p:sp>
+      <p:sp>
+        <p:nvSpPr>
+          <p:cNvPr id="5" name="Espaço Reservado para Anotações 4"/>
+          <p:cNvSpPr>
+            <a:spLocks noGrp="1"/>
+          </p:cNvSpPr>
+          <p:nvPr>
+            <p:ph type="body" sz="quarter" idx="3"/>
+          </p:nvPr>
+        </p:nvSpPr>
+        <p:spPr>
+          <a:xfrm>
+            <a:off x="685800" y="4400550"/>
+            <a:ext cx="5486400" cy="3600450"/>
+          </a:xfrm>
+          <a:prstGeom prst="rect">
+            <a:avLst/>
+          </a:prstGeom>
+        </p:spPr>
+        <p:txBody>
+          <a:bodyPr vert="horz" lIns="91440" tIns="45720" rIns="91440" bIns="45720" rtlCol="0"/>
+          <a:lstStyle/>
+          <a:p>
+            <a:pPr lvl="0"/>
+            <a:r>
+              <a:rPr lang="pt-BR"/>
+              <a:t>Editar estilos de texto Mestre</a:t>
+            </a:r>
+          </a:p>
+          <a:p>
+            <a:pPr lvl="1"/>
+            <a:r>
+              <a:rPr lang="pt-BR"/>
+              <a:t>Segundo nível</a:t>
+            </a:r>
+          </a:p>
+          <a:p>
+            <a:pPr lvl="2"/>
+            <a:r>
+              <a:rPr lang="pt-BR"/>
+              <a:t>Terceiro nível</a:t>
+            </a:r>
+          </a:p>
+          <a:p>
+            <a:pPr lvl="3"/>
+            <a:r>
+              <a:rPr lang="pt-BR"/>
+              <a:t>Quarto nível</a:t>
+            </a:r>
+          </a:p>
+          <a:p>
+            <a:pPr lvl="4"/>
+            <a:r>
+              <a:rPr lang="pt-BR"/>
+              <a:t>Quinto nível</a:t>
+            </a:r>
+          </a:p>
+        </p:txBody>
+      </p:sp>
+      <p:sp>
+        <p:nvSpPr>
+          <p:cNvPr id="6" name="Espaço Reservado para Rodapé 5"/>
+          <p:cNvSpPr>
+            <a:spLocks noGrp="1"/>
+          </p:cNvSpPr>
+          <p:nvPr>
+            <p:ph type="ftr" sz="quarter" idx="4"/>
+          </p:nvPr>
+        </p:nvSpPr>
+        <p:spPr>
+          <a:xfrm>
+            <a:off x="0" y="8685213"/>
+            <a:ext cx="2971800" cy="458787"/>
+          </a:xfrm>
+          <a:prstGeom prst="rect">
+            <a:avLst/>
+          </a:prstGeom>
+        </p:spPr>
+        <p:txBody>
+          <a:bodyPr vert="horz" lIns="91440" tIns="45720" rIns="91440" bIns="45720" rtlCol="0" anchor="b"/>
+          <a:lstStyle>
+            <a:lvl1pPr algn="l">
+              <a:defRPr sz="1200"/>
+            </a:lvl1pPr>
+          </a:lstStyle>
+          <a:p>
+            <a:endParaRPr lang="pt-BR"/>
+          </a:p>
+        </p:txBody>
+      </p:sp>
+      <p:sp>
+        <p:nvSpPr>
+          <p:cNvPr id="7" name="Espaço Reservado para Número de Slide 6"/>
+          <p:cNvSpPr>
+            <a:spLocks noGrp="1"/>
+          </p:cNvSpPr>
+          <p:nvPr>
+            <p:ph type="sldNum" sz="quarter" idx="5"/>
+          </p:nvPr>
+        </p:nvSpPr>
+        <p:spPr>
+          <a:xfrm>
+            <a:off x="3884613" y="8685213"/>
+            <a:ext cx="2971800" cy="458787"/>
+          </a:xfrm>
+          <a:prstGeom prst="rect">
+            <a:avLst/>
+          </a:prstGeom>
+        </p:spPr>
+        <p:txBody>
+          <a:bodyPr vert="horz" lIns="91440" tIns="45720" rIns="91440" bIns="45720" rtlCol="0" anchor="b"/>
+          <a:lstStyle>
+            <a:lvl1pPr algn="r">
+              <a:defRPr sz="1200"/>
+            </a:lvl1pPr>
+          </a:lstStyle>
+          <a:p>
+            <a:fld id="{CABAC427-2B63-42E2-8BD9-96EB06057901}" type="slidenum">
+              <a:rPr lang="pt-BR" smtClean="0"/>
+              <a:t>‹nº›</a:t>
+            </a:fld>
+            <a:endParaRPr lang="pt-BR"/>
+          </a:p>
+        </p:txBody>
+      </p:sp>
+    </p:spTree>
+    <p:extLst>
+      <p:ext uri="{BB962C8B-B14F-4D97-AF65-F5344CB8AC3E}">
+        <p14:creationId xmlns:p14="http://schemas.microsoft.com/office/powerpoint/2010/main" val="248068780"/>
+      </p:ext>
+    </p:extLst>
+  </p:cSld>
+  <p:clrMap bg1="lt1" tx1="dk1" bg2="lt2" tx2="dk2" accent1="accent1" accent2="accent2" accent3="accent3" accent4="accent4" accent5="accent5" accent6="accent6" hlink="hlink" folHlink="folHlink"/>
+  <p:notesStyle>
+    <a:lvl1pPr marL="0" algn="l" defTabSz="914400" rtl="0" eaLnBrk="1" latinLnBrk="0" hangingPunct="1">
+      <a:defRPr sz="1200" kern="1200">
+        <a:solidFill>
+          <a:schemeClr val="tx1"/>
+        </a:solidFill>
+        <a:latin typeface="+mn-lt"/>
+        <a:ea typeface="+mn-ea"/>
+        <a:cs typeface="+mn-cs"/>
+      </a:defRPr>
+    </a:lvl1pPr>
+    <a:lvl2pPr marL="457200" algn="l" defTabSz="914400" rtl="0" eaLnBrk="1" latinLnBrk="0" hangingPunct="1">
+      <a:defRPr sz="1200" kern="1200">
+        <a:solidFill>
+          <a:schemeClr val="tx1"/>
+        </a:solidFill>
+        <a:latin typeface="+mn-lt"/>
+        <a:ea typeface="+mn-ea"/>
+        <a:cs typeface="+mn-cs"/>
+      </a:defRPr>
+    </a:lvl2pPr>
+    <a:lvl3pPr marL="914400" algn="l" defTabSz="914400" rtl="0" eaLnBrk="1" latinLnBrk="0" hangingPunct="1">
+      <a:defRPr sz="1200" kern="1200">
+        <a:solidFill>
+          <a:schemeClr val="tx1"/>
+        </a:solidFill>
+        <a:latin typeface="+mn-lt"/>
+        <a:ea typeface="+mn-ea"/>
+        <a:cs typeface="+mn-cs"/>
+      </a:defRPr>
+    </a:lvl3pPr>
+    <a:lvl4pPr marL="1371600" algn="l" defTabSz="914400" rtl="0" eaLnBrk="1" latinLnBrk="0" hangingPunct="1">
+      <a:defRPr sz="1200" kern="1200">
+        <a:solidFill>
+          <a:schemeClr val="tx1"/>
+        </a:solidFill>
+        <a:latin typeface="+mn-lt"/>
+        <a:ea typeface="+mn-ea"/>
+        <a:cs typeface="+mn-cs"/>
+      </a:defRPr>
+    </a:lvl4pPr>
+    <a:lvl5pPr marL="1828800" algn="l" defTabSz="914400" rtl="0" eaLnBrk="1" latinLnBrk="0" hangingPunct="1">
+      <a:defRPr sz="1200" kern="1200">
+        <a:solidFill>
+          <a:schemeClr val="tx1"/>
+        </a:solidFill>
+        <a:latin typeface="+mn-lt"/>
+        <a:ea typeface="+mn-ea"/>
+        <a:cs typeface="+mn-cs"/>
+      </a:defRPr>
+    </a:lvl5pPr>
+    <a:lvl6pPr marL="2286000" algn="l" defTabSz="914400" rtl="0" eaLnBrk="1" latinLnBrk="0" hangingPunct="1">
+      <a:defRPr sz="1200" kern="1200">
+        <a:solidFill>
+          <a:schemeClr val="tx1"/>
+        </a:solidFill>
+        <a:latin typeface="+mn-lt"/>
+        <a:ea typeface="+mn-ea"/>
+        <a:cs typeface="+mn-cs"/>
+      </a:defRPr>
+    </a:lvl6pPr>
+    <a:lvl7pPr marL="2743200" algn="l" defTabSz="914400" rtl="0" eaLnBrk="1" latinLnBrk="0" hangingPunct="1">
+      <a:defRPr sz="1200" kern="1200">
+        <a:solidFill>
+          <a:schemeClr val="tx1"/>
+        </a:solidFill>
+        <a:latin typeface="+mn-lt"/>
+        <a:ea typeface="+mn-ea"/>
+        <a:cs typeface="+mn-cs"/>
+      </a:defRPr>
+    </a:lvl7pPr>
+    <a:lvl8pPr marL="3200400" algn="l" defTabSz="914400" rtl="0" eaLnBrk="1" latinLnBrk="0" hangingPunct="1">
+      <a:defRPr sz="1200" kern="1200">
+        <a:solidFill>
+          <a:schemeClr val="tx1"/>
+        </a:solidFill>
+        <a:latin typeface="+mn-lt"/>
+        <a:ea typeface="+mn-ea"/>
+        <a:cs typeface="+mn-cs"/>
+      </a:defRPr>
+    </a:lvl8pPr>
+    <a:lvl9pPr marL="3657600" algn="l" defTabSz="914400" rtl="0" eaLnBrk="1" latinLnBrk="0" hangingPunct="1">
+      <a:defRPr sz="1200" kern="1200">
+        <a:solidFill>
+          <a:schemeClr val="tx1"/>
+        </a:solidFill>
+        <a:latin typeface="+mn-lt"/>
+        <a:ea typeface="+mn-ea"/>
+        <a:cs typeface="+mn-cs"/>
+      </a:defRPr>
+    </a:lvl9pPr>
+  </p:notesStyle>
+</p:notesMaster>
+</file>
+
 <file path=ppt/slideLayouts/slideLayout1.xml><?xml version="1.0" encoding="utf-8"?>
 <p:sldLayout xmlns:a="http://schemas.openxmlformats.org/drawingml/2006/main" xmlns:r="http://schemas.openxmlformats.org/officeDocument/2006/relationships" xmlns:p="http://schemas.openxmlformats.org/presentationml/2006/main" showMasterSp="0" type="title" preserve="1">
   <p:cSld name="Slide de Título">
@@ -342,7 +699,7 @@
           <a:bodyPr/>
           <a:lstStyle/>
           <a:p>
-            <a:fld id="{A558B51E-D5A3-4297-A1AE-12177F21AD7E}" type="datetimeFigureOut">
+            <a:fld id="{125B3AAB-CF57-47FC-A713-59F60005DEC9}" type="datetime1">
               <a:rPr lang="pt-BR" smtClean="0"/>
               <a:t>19/05/2017</a:t>
             </a:fld>
@@ -550,7 +907,7 @@
           <a:bodyPr/>
           <a:lstStyle/>
           <a:p>
-            <a:fld id="{A558B51E-D5A3-4297-A1AE-12177F21AD7E}" type="datetimeFigureOut">
+            <a:fld id="{08AAB555-C4D4-4414-9B21-D61B33E3C731}" type="datetime1">
               <a:rPr lang="pt-BR" smtClean="0"/>
               <a:t>19/05/2017</a:t>
             </a:fld>
@@ -806,7 +1163,7 @@
           <a:bodyPr/>
           <a:lstStyle/>
           <a:p>
-            <a:fld id="{A558B51E-D5A3-4297-A1AE-12177F21AD7E}" type="datetimeFigureOut">
+            <a:fld id="{D8D6EAA4-1491-4D53-B1C5-ADF1751066AF}" type="datetime1">
               <a:rPr lang="pt-BR" smtClean="0"/>
               <a:t>19/05/2017</a:t>
             </a:fld>
@@ -980,7 +1337,7 @@
           <a:bodyPr/>
           <a:lstStyle/>
           <a:p>
-            <a:fld id="{A558B51E-D5A3-4297-A1AE-12177F21AD7E}" type="datetimeFigureOut">
+            <a:fld id="{C9B24CEA-C921-4E90-8265-96C10C46BFB8}" type="datetime1">
               <a:rPr lang="pt-BR" smtClean="0"/>
               <a:t>19/05/2017</a:t>
             </a:fld>
@@ -1323,7 +1680,7 @@
           <a:bodyPr/>
           <a:lstStyle/>
           <a:p>
-            <a:fld id="{A558B51E-D5A3-4297-A1AE-12177F21AD7E}" type="datetimeFigureOut">
+            <a:fld id="{4EE1AF8C-7C13-40C2-93D2-EBBBDCC7CA40}" type="datetime1">
               <a:rPr lang="pt-BR" smtClean="0"/>
               <a:t>19/05/2017</a:t>
             </a:fld>
@@ -1598,7 +1955,7 @@
           <a:bodyPr/>
           <a:lstStyle/>
           <a:p>
-            <a:fld id="{A558B51E-D5A3-4297-A1AE-12177F21AD7E}" type="datetimeFigureOut">
+            <a:fld id="{BE4785DB-7907-4EA7-BF95-7E13686BE643}" type="datetime1">
               <a:rPr lang="pt-BR" smtClean="0"/>
               <a:t>19/05/2017</a:t>
             </a:fld>
@@ -1977,7 +2334,7 @@
           <a:bodyPr/>
           <a:lstStyle/>
           <a:p>
-            <a:fld id="{A558B51E-D5A3-4297-A1AE-12177F21AD7E}" type="datetimeFigureOut">
+            <a:fld id="{3D4DB3EC-5229-4225-A294-B889DFE509F6}" type="datetime1">
               <a:rPr lang="pt-BR" smtClean="0"/>
               <a:t>19/05/2017</a:t>
             </a:fld>
@@ -2095,7 +2452,7 @@
           <a:bodyPr/>
           <a:lstStyle/>
           <a:p>
-            <a:fld id="{A558B51E-D5A3-4297-A1AE-12177F21AD7E}" type="datetimeFigureOut">
+            <a:fld id="{DF39682C-8B77-4E60-858D-3FFCA6E3A370}" type="datetime1">
               <a:rPr lang="pt-BR" smtClean="0"/>
               <a:t>19/05/2017</a:t>
             </a:fld>
@@ -2266,7 +2623,7 @@
           <a:bodyPr/>
           <a:lstStyle/>
           <a:p>
-            <a:fld id="{A558B51E-D5A3-4297-A1AE-12177F21AD7E}" type="datetimeFigureOut">
+            <a:fld id="{7CF87BFC-B58F-482F-B7C1-368661CE8DF4}" type="datetime1">
               <a:rPr lang="pt-BR" smtClean="0"/>
               <a:t>19/05/2017</a:t>
             </a:fld>
@@ -2620,7 +2977,7 @@
             </a:lvl1pPr>
           </a:lstStyle>
           <a:p>
-            <a:fld id="{A558B51E-D5A3-4297-A1AE-12177F21AD7E}" type="datetimeFigureOut">
+            <a:fld id="{EEE921A4-A789-45C9-9705-7258D45A5F72}" type="datetime1">
               <a:rPr lang="pt-BR" smtClean="0"/>
               <a:t>19/05/2017</a:t>
             </a:fld>
@@ -3002,7 +3359,7 @@
           <a:bodyPr/>
           <a:lstStyle/>
           <a:p>
-            <a:fld id="{A558B51E-D5A3-4297-A1AE-12177F21AD7E}" type="datetimeFigureOut">
+            <a:fld id="{BA6602DC-C8EA-49B9-8CB6-B595ABCE5899}" type="datetime1">
               <a:rPr lang="pt-BR" smtClean="0"/>
               <a:t>19/05/2017</a:t>
             </a:fld>
@@ -3289,7 +3646,7 @@
             </a:lvl1pPr>
           </a:lstStyle>
           <a:p>
-            <a:fld id="{A558B51E-D5A3-4297-A1AE-12177F21AD7E}" type="datetimeFigureOut">
+            <a:fld id="{693F3B50-C75B-475C-A459-B4C094DDB825}" type="datetime1">
               <a:rPr lang="pt-BR" smtClean="0"/>
               <a:t>19/05/2017</a:t>
             </a:fld>
@@ -3430,6 +3787,7 @@
     <p:sldLayoutId id="2147483670" r:id="rId10"/>
     <p:sldLayoutId id="2147483671" r:id="rId11"/>
   </p:sldLayoutIdLst>
+  <p:hf hdr="0" ftr="0" dt="0"/>
   <p:txStyles>
     <p:titleStyle>
       <a:lvl1pPr algn="l" defTabSz="914400" rtl="0" eaLnBrk="1" latinLnBrk="0" hangingPunct="1">
@@ -3932,6 +4290,29 @@
           </a:extLst>
         </p:spPr>
       </p:pic>
+      <p:sp>
+        <p:nvSpPr>
+          <p:cNvPr id="4" name="Espaço Reservado para Número de Slide 3"/>
+          <p:cNvSpPr>
+            <a:spLocks noGrp="1"/>
+          </p:cNvSpPr>
+          <p:nvPr>
+            <p:ph type="sldNum" sz="quarter" idx="12"/>
+          </p:nvPr>
+        </p:nvSpPr>
+        <p:spPr/>
+        <p:txBody>
+          <a:bodyPr/>
+          <a:lstStyle/>
+          <a:p>
+            <a:fld id="{15B97A44-E15A-45A7-B338-28DB75C4FCAC}" type="slidenum">
+              <a:rPr lang="pt-BR" smtClean="0"/>
+              <a:t>1</a:t>
+            </a:fld>
+            <a:endParaRPr lang="pt-BR"/>
+          </a:p>
+        </p:txBody>
+      </p:sp>
     </p:spTree>
     <p:extLst>
       <p:ext uri="{BB962C8B-B14F-4D97-AF65-F5344CB8AC3E}">
@@ -3942,18 +4323,6 @@
   <p:clrMapOvr>
     <a:masterClrMapping/>
   </p:clrMapOvr>
-  <mc:AlternateContent xmlns:mc="http://schemas.openxmlformats.org/markup-compatibility/2006" xmlns:p14="http://schemas.microsoft.com/office/powerpoint/2010/main">
-    <mc:Choice Requires="p14">
-      <p:transition spd="slow" p14:dur="3400">
-        <p14:reveal/>
-      </p:transition>
-    </mc:Choice>
-    <mc:Fallback xmlns="">
-      <p:transition spd="slow">
-        <p:fade/>
-      </p:transition>
-    </mc:Fallback>
-  </mc:AlternateContent>
 </p:sld>
 </file>
 
@@ -3995,7 +4364,7 @@
           <a:lstStyle/>
           <a:p>
             <a:r>
-              <a:rPr lang="pt-BR"/>
+              <a:rPr lang="pt-BR" dirty="0"/>
               <a:t>Queens </a:t>
             </a:r>
             <a:r>
@@ -4065,6 +4434,70 @@
           </a:prstGeom>
         </p:spPr>
       </p:pic>
+      <p:pic>
+        <p:nvPicPr>
+          <p:cNvPr id="6" name="Picture 2" descr="http://www.clker.com/cliparts/3/2/8/3/122054664916136449portablejim_Chess_tile_-_Queen_1.svg.hi.png"/>
+          <p:cNvPicPr>
+            <a:picLocks noChangeAspect="1" noChangeArrowheads="1"/>
+          </p:cNvPicPr>
+          <p:nvPr/>
+        </p:nvPicPr>
+        <p:blipFill>
+          <a:blip r:embed="rId4">
+            <a:extLst>
+              <a:ext uri="{28A0092B-C50C-407E-A947-70E740481C1C}">
+                <a14:useLocalDpi xmlns:a14="http://schemas.microsoft.com/office/drawing/2010/main" val="0"/>
+              </a:ext>
+            </a:extLst>
+          </a:blip>
+          <a:srcRect/>
+          <a:stretch>
+            <a:fillRect/>
+          </a:stretch>
+        </p:blipFill>
+        <p:spPr bwMode="auto">
+          <a:xfrm>
+            <a:off x="10794512" y="6032253"/>
+            <a:ext cx="555184" cy="520948"/>
+          </a:xfrm>
+          <a:prstGeom prst="rect">
+            <a:avLst/>
+          </a:prstGeom>
+          <a:noFill/>
+          <a:extLst>
+            <a:ext uri="{909E8E84-426E-40DD-AFC4-6F175D3DCCD1}">
+              <a14:hiddenFill xmlns:a14="http://schemas.microsoft.com/office/drawing/2010/main">
+                <a:solidFill>
+                  <a:srgbClr val="FFFFFF"/>
+                </a:solidFill>
+              </a14:hiddenFill>
+            </a:ext>
+          </a:extLst>
+        </p:spPr>
+      </p:pic>
+      <p:sp>
+        <p:nvSpPr>
+          <p:cNvPr id="3" name="Espaço Reservado para Número de Slide 2"/>
+          <p:cNvSpPr>
+            <a:spLocks noGrp="1"/>
+          </p:cNvSpPr>
+          <p:nvPr>
+            <p:ph type="sldNum" sz="quarter" idx="12"/>
+          </p:nvPr>
+        </p:nvSpPr>
+        <p:spPr/>
+        <p:txBody>
+          <a:bodyPr/>
+          <a:lstStyle/>
+          <a:p>
+            <a:fld id="{15B97A44-E15A-45A7-B338-28DB75C4FCAC}" type="slidenum">
+              <a:rPr lang="pt-BR" smtClean="0"/>
+              <a:t>2</a:t>
+            </a:fld>
+            <a:endParaRPr lang="pt-BR"/>
+          </a:p>
+        </p:txBody>
+      </p:sp>
     </p:spTree>
     <p:extLst>
       <p:ext uri="{BB962C8B-B14F-4D97-AF65-F5344CB8AC3E}">
@@ -4075,6 +4508,18 @@
   <p:clrMapOvr>
     <a:masterClrMapping/>
   </p:clrMapOvr>
+  <mc:AlternateContent xmlns:mc="http://schemas.openxmlformats.org/markup-compatibility/2006">
+    <mc:Choice xmlns:p159="http://schemas.microsoft.com/office/powerpoint/2015/09/main" Requires="p159">
+      <p:transition>
+        <p159:morph option="byObject"/>
+      </p:transition>
+    </mc:Choice>
+    <mc:Fallback>
+      <p:transition>
+        <p:fade/>
+      </p:transition>
+    </mc:Fallback>
+  </mc:AlternateContent>
 </p:sld>
 </file>
 
@@ -4143,8 +4588,12 @@
               <a:buChar char="•"/>
             </a:pPr>
             <a:r>
+              <a:rPr lang="pt-BR"/>
+              <a:t>Busca local </a:t>
+            </a:r>
+            <a:r>
               <a:rPr lang="pt-BR" dirty="0"/>
-              <a:t>Busca local de conflito mínimo</a:t>
+              <a:t>de conflito mínimo</a:t>
             </a:r>
           </a:p>
           <a:p>
@@ -4213,6 +4662,70 @@
           </a:prstGeom>
         </p:spPr>
       </p:pic>
+      <p:pic>
+        <p:nvPicPr>
+          <p:cNvPr id="6" name="Picture 2" descr="http://www.clker.com/cliparts/3/2/8/3/122054664916136449portablejim_Chess_tile_-_Queen_1.svg.hi.png"/>
+          <p:cNvPicPr>
+            <a:picLocks noChangeAspect="1" noChangeArrowheads="1"/>
+          </p:cNvPicPr>
+          <p:nvPr/>
+        </p:nvPicPr>
+        <p:blipFill>
+          <a:blip r:embed="rId3">
+            <a:extLst>
+              <a:ext uri="{28A0092B-C50C-407E-A947-70E740481C1C}">
+                <a14:useLocalDpi xmlns:a14="http://schemas.microsoft.com/office/drawing/2010/main" val="0"/>
+              </a:ext>
+            </a:extLst>
+          </a:blip>
+          <a:srcRect/>
+          <a:stretch>
+            <a:fillRect/>
+          </a:stretch>
+        </p:blipFill>
+        <p:spPr bwMode="auto">
+          <a:xfrm>
+            <a:off x="10794512" y="6032253"/>
+            <a:ext cx="555184" cy="520948"/>
+          </a:xfrm>
+          <a:prstGeom prst="rect">
+            <a:avLst/>
+          </a:prstGeom>
+          <a:noFill/>
+          <a:extLst>
+            <a:ext uri="{909E8E84-426E-40DD-AFC4-6F175D3DCCD1}">
+              <a14:hiddenFill xmlns:a14="http://schemas.microsoft.com/office/drawing/2010/main">
+                <a:solidFill>
+                  <a:srgbClr val="FFFFFF"/>
+                </a:solidFill>
+              </a14:hiddenFill>
+            </a:ext>
+          </a:extLst>
+        </p:spPr>
+      </p:pic>
+      <p:sp>
+        <p:nvSpPr>
+          <p:cNvPr id="7" name="Espaço Reservado para Número de Slide 6"/>
+          <p:cNvSpPr>
+            <a:spLocks noGrp="1"/>
+          </p:cNvSpPr>
+          <p:nvPr>
+            <p:ph type="sldNum" sz="quarter" idx="12"/>
+          </p:nvPr>
+        </p:nvSpPr>
+        <p:spPr/>
+        <p:txBody>
+          <a:bodyPr/>
+          <a:lstStyle/>
+          <a:p>
+            <a:fld id="{15B97A44-E15A-45A7-B338-28DB75C4FCAC}" type="slidenum">
+              <a:rPr lang="pt-BR" smtClean="0"/>
+              <a:t>3</a:t>
+            </a:fld>
+            <a:endParaRPr lang="pt-BR"/>
+          </a:p>
+        </p:txBody>
+      </p:sp>
     </p:spTree>
     <p:extLst>
       <p:ext uri="{BB962C8B-B14F-4D97-AF65-F5344CB8AC3E}">
@@ -4223,6 +4736,18 @@
   <p:clrMapOvr>
     <a:masterClrMapping/>
   </p:clrMapOvr>
+  <mc:AlternateContent xmlns:mc="http://schemas.openxmlformats.org/markup-compatibility/2006">
+    <mc:Choice xmlns:p159="http://schemas.microsoft.com/office/powerpoint/2015/09/main" Requires="p159">
+      <p:transition>
+        <p159:morph option="byObject"/>
+      </p:transition>
+    </mc:Choice>
+    <mc:Fallback>
+      <p:transition>
+        <p:fade/>
+      </p:transition>
+    </mc:Fallback>
+  </mc:AlternateContent>
 </p:sld>
 </file>
 
@@ -4245,7 +4770,7 @@
       </p:grpSpPr>
       <p:sp useBgFill="1">
         <p:nvSpPr>
-          <p:cNvPr id="10" name="Rectangle 9"/>
+          <p:cNvPr id="21" name="Rectangle 20"/>
           <p:cNvSpPr>
             <a:spLocks noGrp="1" noRot="1" noChangeAspect="1" noMove="1" noResize="1" noEditPoints="1" noAdjustHandles="1" noChangeArrowheads="1" noChangeShapeType="1" noTextEdit="1"/>
           </p:cNvSpPr>
@@ -4296,7 +4821,7 @@
       </p:sp>
       <p:sp>
         <p:nvSpPr>
-          <p:cNvPr id="12" name="Rectangle 11"/>
+          <p:cNvPr id="23" name="Rectangle 22"/>
           <p:cNvSpPr>
             <a:spLocks noGrp="1" noRot="1" noChangeAspect="1" noMove="1" noResize="1" noEditPoints="1" noAdjustHandles="1" noChangeArrowheads="1" noChangeShapeType="1" noTextEdit="1"/>
           </p:cNvSpPr>
@@ -4342,7 +4867,7 @@
       </p:sp>
       <p:sp>
         <p:nvSpPr>
-          <p:cNvPr id="14" name="Rectangle 13"/>
+          <p:cNvPr id="25" name="Rectangle 24"/>
           <p:cNvSpPr>
             <a:spLocks noGrp="1" noRot="1" noChangeAspect="1" noMove="1" noResize="1" noEditPoints="1" noAdjustHandles="1" noChangeArrowheads="1" noChangeShapeType="1" noTextEdit="1"/>
           </p:cNvSpPr>
@@ -4388,7 +4913,7 @@
       </p:sp>
       <p:cxnSp>
         <p:nvCxnSpPr>
-          <p:cNvPr id="16" name="Straight Connector 15"/>
+          <p:cNvPr id="27" name="Straight Connector 26"/>
           <p:cNvCxnSpPr>
             <a:cxnSpLocks noGrp="1" noRot="1" noChangeAspect="1" noMove="1" noResize="1" noEditPoints="1" noAdjustHandles="1" noChangeArrowheads="1" noChangeShapeType="1"/>
           </p:cNvCxnSpPr>
@@ -4433,9 +4958,71 @@
           </a:fontRef>
         </p:style>
       </p:cxnSp>
+      <p:sp>
+        <p:nvSpPr>
+          <p:cNvPr id="2" name="Título 1"/>
+          <p:cNvSpPr>
+            <a:spLocks noGrp="1"/>
+          </p:cNvSpPr>
+          <p:nvPr>
+            <p:ph type="title"/>
+          </p:nvPr>
+        </p:nvSpPr>
+        <p:spPr>
+          <a:xfrm>
+            <a:off x="7859485" y="634946"/>
+            <a:ext cx="3690257" cy="1450757"/>
+          </a:xfrm>
+        </p:spPr>
+        <p:txBody>
+          <a:bodyPr>
+            <a:normAutofit/>
+          </a:bodyPr>
+          <a:lstStyle/>
+          <a:p>
+            <a:r>
+              <a:rPr lang="pt-BR" dirty="0"/>
+              <a:t>Resultados</a:t>
+            </a:r>
+          </a:p>
+        </p:txBody>
+      </p:sp>
+      <p:sp>
+        <p:nvSpPr>
+          <p:cNvPr id="3" name="Espaço Reservado para Conteúdo 2"/>
+          <p:cNvSpPr>
+            <a:spLocks noGrp="1"/>
+          </p:cNvSpPr>
+          <p:nvPr>
+            <p:ph idx="1"/>
+          </p:nvPr>
+        </p:nvSpPr>
+        <p:spPr>
+          <a:xfrm>
+            <a:off x="7859485" y="2198914"/>
+            <a:ext cx="3690257" cy="3670180"/>
+          </a:xfrm>
+        </p:spPr>
+        <p:txBody>
+          <a:bodyPr>
+            <a:normAutofit/>
+          </a:bodyPr>
+          <a:lstStyle/>
+          <a:p>
+            <a:pPr lvl="1">
+              <a:buFont typeface="Arial" panose="020B0604020202020204" pitchFamily="34" charset="0"/>
+              <a:buChar char="•"/>
+            </a:pPr>
+            <a:r>
+              <a:rPr lang="pt-BR" dirty="0"/>
+              <a:t>Dispersão por iterações e tempo em escala logarítmica</a:t>
+            </a:r>
+          </a:p>
+        </p:txBody>
+      </p:sp>
       <p:pic>
         <p:nvPicPr>
-          <p:cNvPr id="5" name="Imagem 4"/>
+          <p:cNvPr id="6" name="Imagem 5" descr="Uma imagem contendo céu, texto, mapa&#10;&#10;Descrição gerada com muito alta confiança"/>
           <p:cNvPicPr>
             <a:picLocks noChangeAspect="1"/>
           </p:cNvPicPr>
@@ -4449,13 +5036,13 @@
               </a:ext>
             </a:extLst>
           </a:blip>
-          <a:srcRect r="16252"/>
+          <a:srcRect r="15329"/>
           <a:stretch/>
         </p:blipFill>
         <p:spPr>
           <a:xfrm>
-            <a:off x="225084" y="397273"/>
-            <a:ext cx="7634402" cy="5651836"/>
+            <a:off x="456949" y="906868"/>
+            <a:ext cx="7343755" cy="4520579"/>
           </a:xfrm>
           <a:prstGeom prst="rect">
             <a:avLst/>
@@ -4464,384 +5051,68 @@
       </p:pic>
       <p:sp>
         <p:nvSpPr>
-          <p:cNvPr id="2" name="Título 1"/>
-          <p:cNvSpPr>
-            <a:spLocks noGrp="1"/>
-          </p:cNvSpPr>
-          <p:nvPr>
-            <p:ph type="title"/>
-          </p:nvPr>
-        </p:nvSpPr>
-        <p:spPr>
-          <a:xfrm>
-            <a:off x="7859485" y="634946"/>
-            <a:ext cx="3690257" cy="1450757"/>
-          </a:xfrm>
-        </p:spPr>
-        <p:txBody>
-          <a:bodyPr>
-            <a:normAutofit/>
-          </a:bodyPr>
+          <p:cNvPr id="7" name="Espaço Reservado para Número de Slide 6"/>
+          <p:cNvSpPr>
+            <a:spLocks noGrp="1"/>
+          </p:cNvSpPr>
+          <p:nvPr>
+            <p:ph type="sldNum" sz="quarter" idx="12"/>
+          </p:nvPr>
+        </p:nvSpPr>
+        <p:spPr/>
+        <p:txBody>
+          <a:bodyPr/>
           <a:lstStyle/>
           <a:p>
-            <a:r>
-              <a:rPr lang="pt-BR" dirty="0"/>
-              <a:t>Resultados</a:t>
-            </a:r>
-          </a:p>
-        </p:txBody>
-      </p:sp>
-      <p:sp>
-        <p:nvSpPr>
-          <p:cNvPr id="3" name="Espaço Reservado para Conteúdo 2"/>
-          <p:cNvSpPr>
-            <a:spLocks noGrp="1"/>
-          </p:cNvSpPr>
-          <p:nvPr>
-            <p:ph idx="1"/>
-          </p:nvPr>
-        </p:nvSpPr>
-        <p:spPr>
-          <a:xfrm>
-            <a:off x="7859485" y="2198914"/>
-            <a:ext cx="3690257" cy="3670180"/>
-          </a:xfrm>
-        </p:spPr>
-        <p:txBody>
-          <a:bodyPr>
-            <a:normAutofit/>
-          </a:bodyPr>
-          <a:lstStyle/>
-          <a:p>
-            <a:pPr lvl="1">
-              <a:buFont typeface="Arial" panose="020B0604020202020204" pitchFamily="34" charset="0"/>
-              <a:buChar char="•"/>
-            </a:pPr>
-            <a:r>
-              <a:rPr lang="pt-BR" dirty="0"/>
-              <a:t>Dispersão por Interações</a:t>
-            </a:r>
-          </a:p>
-          <a:p>
-            <a:pPr lvl="2">
-              <a:buFont typeface="Arial" panose="020B0604020202020204" pitchFamily="34" charset="0"/>
-              <a:buChar char="•"/>
-            </a:pPr>
-            <a:endParaRPr lang="pt-BR" dirty="0"/>
-          </a:p>
-        </p:txBody>
-      </p:sp>
-    </p:spTree>
-    <p:extLst>
-      <p:ext uri="{BB962C8B-B14F-4D97-AF65-F5344CB8AC3E}">
-        <p14:creationId xmlns:p14="http://schemas.microsoft.com/office/powerpoint/2010/main" val="189271870"/>
-      </p:ext>
-    </p:extLst>
-  </p:cSld>
-  <p:clrMapOvr>
-    <a:masterClrMapping/>
-  </p:clrMapOvr>
-</p:sld>
-</file>
-
-<file path=ppt/slides/slide5.xml><?xml version="1.0" encoding="utf-8"?>
-<p:sld xmlns:a="http://schemas.openxmlformats.org/drawingml/2006/main" xmlns:r="http://schemas.openxmlformats.org/officeDocument/2006/relationships" xmlns:p="http://schemas.openxmlformats.org/presentationml/2006/main">
-  <p:cSld>
-    <p:spTree>
-      <p:nvGrpSpPr>
-        <p:cNvPr id="1" name=""/>
-        <p:cNvGrpSpPr/>
-        <p:nvPr/>
-      </p:nvGrpSpPr>
-      <p:grpSpPr>
-        <a:xfrm>
-          <a:off x="0" y="0"/>
-          <a:ext cx="0" cy="0"/>
-          <a:chOff x="0" y="0"/>
-          <a:chExt cx="0" cy="0"/>
-        </a:xfrm>
-      </p:grpSpPr>
-      <p:sp useBgFill="1">
-        <p:nvSpPr>
-          <p:cNvPr id="21" name="Rectangle 20"/>
-          <p:cNvSpPr>
-            <a:spLocks noGrp="1" noRot="1" noChangeAspect="1" noMove="1" noResize="1" noEditPoints="1" noAdjustHandles="1" noChangeArrowheads="1" noChangeShapeType="1" noTextEdit="1"/>
-          </p:cNvSpPr>
-          <p:nvPr>
-            <p:extLst>
-              <p:ext uri="{386F3935-93C4-4BCD-93E2-E3B085C9AB24}">
-                <p16:designElem xmlns:p16="http://schemas.microsoft.com/office/powerpoint/2015/main" val="1"/>
-              </p:ext>
-            </p:extLst>
-          </p:nvPr>
-        </p:nvSpPr>
-        <p:spPr>
-          <a:xfrm>
-            <a:off x="0" y="0"/>
-            <a:ext cx="12192001" cy="6334316"/>
-          </a:xfrm>
-          <a:prstGeom prst="rect">
-            <a:avLst/>
-          </a:prstGeom>
-          <a:ln>
-            <a:noFill/>
-          </a:ln>
-        </p:spPr>
-        <p:style>
-          <a:lnRef idx="2">
-            <a:schemeClr val="accent1">
-              <a:shade val="50000"/>
-            </a:schemeClr>
-          </a:lnRef>
-          <a:fillRef idx="1">
-            <a:schemeClr val="accent1"/>
-          </a:fillRef>
-          <a:effectRef idx="0">
-            <a:schemeClr val="accent1"/>
-          </a:effectRef>
-          <a:fontRef idx="minor">
-            <a:schemeClr val="lt1"/>
-          </a:fontRef>
-        </p:style>
-        <p:txBody>
-          <a:bodyPr rtlCol="0" anchor="ctr"/>
-          <a:lstStyle/>
-          <a:p>
-            <a:pPr algn="ctr"/>
-            <a:endParaRPr lang="en-US"/>
-          </a:p>
-        </p:txBody>
-      </p:sp>
-      <p:sp>
-        <p:nvSpPr>
-          <p:cNvPr id="23" name="Rectangle 22"/>
-          <p:cNvSpPr>
-            <a:spLocks noGrp="1" noRot="1" noChangeAspect="1" noMove="1" noResize="1" noEditPoints="1" noAdjustHandles="1" noChangeArrowheads="1" noChangeShapeType="1" noTextEdit="1"/>
-          </p:cNvSpPr>
-          <p:nvPr>
-            <p:extLst>
-              <p:ext uri="{386F3935-93C4-4BCD-93E2-E3B085C9AB24}">
-                <p16:designElem xmlns:p16="http://schemas.microsoft.com/office/powerpoint/2015/main" val="1"/>
-              </p:ext>
-            </p:extLst>
-          </p:nvPr>
-        </p:nvSpPr>
-        <p:spPr>
-          <a:xfrm>
-            <a:off x="1" y="6400800"/>
-            <a:ext cx="12192000" cy="457200"/>
-          </a:xfrm>
-          <a:prstGeom prst="rect">
-            <a:avLst/>
-          </a:prstGeom>
-          <a:solidFill>
-            <a:schemeClr val="accent2"/>
-          </a:solidFill>
-          <a:ln>
-            <a:noFill/>
-          </a:ln>
-        </p:spPr>
-        <p:style>
-          <a:lnRef idx="2">
-            <a:schemeClr val="accent1">
-              <a:shade val="50000"/>
-            </a:schemeClr>
-          </a:lnRef>
-          <a:fillRef idx="1">
-            <a:schemeClr val="accent1"/>
-          </a:fillRef>
-          <a:effectRef idx="0">
-            <a:schemeClr val="accent1"/>
-          </a:effectRef>
-          <a:fontRef idx="minor">
-            <a:schemeClr val="lt1"/>
-          </a:fontRef>
-        </p:style>
-      </p:sp>
-      <p:sp>
-        <p:nvSpPr>
-          <p:cNvPr id="25" name="Rectangle 24"/>
-          <p:cNvSpPr>
-            <a:spLocks noGrp="1" noRot="1" noChangeAspect="1" noMove="1" noResize="1" noEditPoints="1" noAdjustHandles="1" noChangeArrowheads="1" noChangeShapeType="1" noTextEdit="1"/>
-          </p:cNvSpPr>
-          <p:nvPr>
-            <p:extLst>
-              <p:ext uri="{386F3935-93C4-4BCD-93E2-E3B085C9AB24}">
-                <p16:designElem xmlns:p16="http://schemas.microsoft.com/office/powerpoint/2015/main" val="1"/>
-              </p:ext>
-            </p:extLst>
-          </p:nvPr>
-        </p:nvSpPr>
-        <p:spPr>
-          <a:xfrm>
-            <a:off x="15" y="6334316"/>
-            <a:ext cx="12191985" cy="66484"/>
-          </a:xfrm>
-          <a:prstGeom prst="rect">
-            <a:avLst/>
-          </a:prstGeom>
-          <a:solidFill>
-            <a:schemeClr val="accent1"/>
-          </a:solidFill>
-          <a:ln>
-            <a:noFill/>
-          </a:ln>
-        </p:spPr>
-        <p:style>
-          <a:lnRef idx="2">
-            <a:schemeClr val="accent1">
-              <a:shade val="50000"/>
-            </a:schemeClr>
-          </a:lnRef>
-          <a:fillRef idx="1">
-            <a:schemeClr val="accent1"/>
-          </a:fillRef>
-          <a:effectRef idx="0">
-            <a:schemeClr val="accent1"/>
-          </a:effectRef>
-          <a:fontRef idx="minor">
-            <a:schemeClr val="lt1"/>
-          </a:fontRef>
-        </p:style>
-      </p:sp>
-      <p:cxnSp>
-        <p:nvCxnSpPr>
-          <p:cNvPr id="27" name="Straight Connector 26"/>
-          <p:cNvCxnSpPr>
-            <a:cxnSpLocks noGrp="1" noRot="1" noChangeAspect="1" noMove="1" noResize="1" noEditPoints="1" noAdjustHandles="1" noChangeArrowheads="1" noChangeShapeType="1"/>
-          </p:cNvCxnSpPr>
-          <p:nvPr>
-            <p:extLst>
-              <p:ext uri="{386F3935-93C4-4BCD-93E2-E3B085C9AB24}">
-                <p16:designElem xmlns:p16="http://schemas.microsoft.com/office/powerpoint/2015/main" val="1"/>
-              </p:ext>
-            </p:extLst>
-          </p:nvPr>
-        </p:nvCxnSpPr>
-        <p:spPr>
-          <a:xfrm>
-            <a:off x="7892143" y="2085703"/>
-            <a:ext cx="3566160" cy="0"/>
-          </a:xfrm>
-          <a:prstGeom prst="line">
-            <a:avLst/>
-          </a:prstGeom>
-          <a:ln w="6350">
-            <a:solidFill>
-              <a:schemeClr val="tx1">
-                <a:lumMod val="50000"/>
-                <a:lumOff val="50000"/>
-                <a:alpha val="90000"/>
-              </a:schemeClr>
-            </a:solidFill>
-          </a:ln>
-        </p:spPr>
-        <p:style>
-          <a:lnRef idx="1">
-            <a:schemeClr val="accent1"/>
-          </a:lnRef>
-          <a:fillRef idx="0">
-            <a:schemeClr val="accent1"/>
-          </a:fillRef>
-          <a:effectRef idx="0">
-            <a:schemeClr val="accent1"/>
-          </a:effectRef>
-          <a:fontRef idx="minor">
-            <a:schemeClr val="tx1"/>
-          </a:fontRef>
-        </p:style>
-      </p:cxnSp>
+            <a:fld id="{15B97A44-E15A-45A7-B338-28DB75C4FCAC}" type="slidenum">
+              <a:rPr lang="pt-BR" smtClean="0"/>
+              <a:t>4</a:t>
+            </a:fld>
+            <a:endParaRPr lang="pt-BR"/>
+          </a:p>
+        </p:txBody>
+      </p:sp>
       <p:pic>
         <p:nvPicPr>
-          <p:cNvPr id="4" name="Imagem 3"/>
+          <p:cNvPr id="16" name="Picture 2" descr="http://www.clker.com/cliparts/3/2/8/3/122054664916136449portablejim_Chess_tile_-_Queen_1.svg.hi.png"/>
           <p:cNvPicPr>
-            <a:picLocks noChangeAspect="1"/>
+            <a:picLocks noChangeAspect="1" noChangeArrowheads="1"/>
           </p:cNvPicPr>
           <p:nvPr/>
         </p:nvPicPr>
-        <p:blipFill rotWithShape="1">
-          <a:blip r:embed="rId2">
+        <p:blipFill>
+          <a:blip r:embed="rId3">
             <a:extLst>
               <a:ext uri="{28A0092B-C50C-407E-A947-70E740481C1C}">
                 <a14:useLocalDpi xmlns:a14="http://schemas.microsoft.com/office/drawing/2010/main" val="0"/>
               </a:ext>
             </a:extLst>
           </a:blip>
-          <a:srcRect r="16072"/>
-          <a:stretch/>
+          <a:srcRect/>
+          <a:stretch>
+            <a:fillRect/>
+          </a:stretch>
         </p:blipFill>
-        <p:spPr>
-          <a:xfrm>
-            <a:off x="326204" y="490028"/>
-            <a:ext cx="7565940" cy="5611677"/>
+        <p:spPr bwMode="auto">
+          <a:xfrm>
+            <a:off x="10794512" y="6032253"/>
+            <a:ext cx="555184" cy="520948"/>
           </a:xfrm>
           <a:prstGeom prst="rect">
             <a:avLst/>
           </a:prstGeom>
+          <a:noFill/>
+          <a:extLst>
+            <a:ext uri="{909E8E84-426E-40DD-AFC4-6F175D3DCCD1}">
+              <a14:hiddenFill xmlns:a14="http://schemas.microsoft.com/office/drawing/2010/main">
+                <a:solidFill>
+                  <a:srgbClr val="FFFFFF"/>
+                </a:solidFill>
+              </a14:hiddenFill>
+            </a:ext>
+          </a:extLst>
         </p:spPr>
       </p:pic>
-      <p:sp>
-        <p:nvSpPr>
-          <p:cNvPr id="2" name="Título 1"/>
-          <p:cNvSpPr>
-            <a:spLocks noGrp="1"/>
-          </p:cNvSpPr>
-          <p:nvPr>
-            <p:ph type="title"/>
-          </p:nvPr>
-        </p:nvSpPr>
-        <p:spPr>
-          <a:xfrm>
-            <a:off x="7859485" y="634946"/>
-            <a:ext cx="3690257" cy="1450757"/>
-          </a:xfrm>
-        </p:spPr>
-        <p:txBody>
-          <a:bodyPr>
-            <a:normAutofit/>
-          </a:bodyPr>
-          <a:lstStyle/>
-          <a:p>
-            <a:r>
-              <a:rPr lang="pt-BR" dirty="0"/>
-              <a:t>Resultados</a:t>
-            </a:r>
-          </a:p>
-        </p:txBody>
-      </p:sp>
-      <p:sp>
-        <p:nvSpPr>
-          <p:cNvPr id="3" name="Espaço Reservado para Conteúdo 2"/>
-          <p:cNvSpPr>
-            <a:spLocks noGrp="1"/>
-          </p:cNvSpPr>
-          <p:nvPr>
-            <p:ph idx="1"/>
-          </p:nvPr>
-        </p:nvSpPr>
-        <p:spPr>
-          <a:xfrm>
-            <a:off x="7859485" y="2198914"/>
-            <a:ext cx="3690257" cy="3670180"/>
-          </a:xfrm>
-        </p:spPr>
-        <p:txBody>
-          <a:bodyPr>
-            <a:normAutofit/>
-          </a:bodyPr>
-          <a:lstStyle/>
-          <a:p>
-            <a:pPr lvl="1">
-              <a:buFont typeface="Arial" panose="020B0604020202020204" pitchFamily="34" charset="0"/>
-              <a:buChar char="•"/>
-            </a:pPr>
-            <a:r>
-              <a:rPr lang="pt-BR" dirty="0"/>
-              <a:t>Dispersão por tempo</a:t>
-            </a:r>
-          </a:p>
-        </p:txBody>
-      </p:sp>
     </p:spTree>
     <p:extLst>
       <p:ext uri="{BB962C8B-B14F-4D97-AF65-F5344CB8AC3E}">
@@ -4852,10 +5123,22 @@
   <p:clrMapOvr>
     <a:masterClrMapping/>
   </p:clrMapOvr>
+  <mc:AlternateContent xmlns:mc="http://schemas.openxmlformats.org/markup-compatibility/2006">
+    <mc:Choice xmlns:p159="http://schemas.microsoft.com/office/powerpoint/2015/09/main" Requires="p159">
+      <p:transition>
+        <p159:morph option="byObject"/>
+      </p:transition>
+    </mc:Choice>
+    <mc:Fallback>
+      <p:transition>
+        <p:fade/>
+      </p:transition>
+    </mc:Fallback>
+  </mc:AlternateContent>
 </p:sld>
 </file>
 
-<file path=ppt/slides/slide6.xml><?xml version="1.0" encoding="utf-8"?>
+<file path=ppt/slides/slide5.xml><?xml version="1.0" encoding="utf-8"?>
 <p:sld xmlns:a="http://schemas.openxmlformats.org/drawingml/2006/main" xmlns:r="http://schemas.openxmlformats.org/officeDocument/2006/relationships" xmlns:p="http://schemas.openxmlformats.org/presentationml/2006/main">
   <p:cSld>
     <p:spTree>
@@ -5202,11 +5485,79 @@
             </a:pPr>
             <a:r>
               <a:rPr lang="pt-BR" dirty="0"/>
-              <a:t>y = n ^ 1.740 </a:t>
-            </a:r>
-          </a:p>
-        </p:txBody>
-      </p:sp>
+              <a:t>y = n</a:t>
+            </a:r>
+            <a:r>
+              <a:rPr lang="pt-BR" baseline="30000" dirty="0"/>
+              <a:t>1.740 </a:t>
+            </a:r>
+          </a:p>
+        </p:txBody>
+      </p:sp>
+      <p:sp>
+        <p:nvSpPr>
+          <p:cNvPr id="4" name="Espaço Reservado para Número de Slide 3"/>
+          <p:cNvSpPr>
+            <a:spLocks noGrp="1"/>
+          </p:cNvSpPr>
+          <p:nvPr>
+            <p:ph type="sldNum" sz="quarter" idx="12"/>
+          </p:nvPr>
+        </p:nvSpPr>
+        <p:spPr/>
+        <p:txBody>
+          <a:bodyPr/>
+          <a:lstStyle/>
+          <a:p>
+            <a:fld id="{15B97A44-E15A-45A7-B338-28DB75C4FCAC}" type="slidenum">
+              <a:rPr lang="pt-BR" smtClean="0"/>
+              <a:t>5</a:t>
+            </a:fld>
+            <a:endParaRPr lang="pt-BR"/>
+          </a:p>
+        </p:txBody>
+      </p:sp>
+      <p:pic>
+        <p:nvPicPr>
+          <p:cNvPr id="10" name="Picture 2" descr="http://www.clker.com/cliparts/3/2/8/3/122054664916136449portablejim_Chess_tile_-_Queen_1.svg.hi.png"/>
+          <p:cNvPicPr>
+            <a:picLocks noChangeAspect="1" noChangeArrowheads="1"/>
+          </p:cNvPicPr>
+          <p:nvPr/>
+        </p:nvPicPr>
+        <p:blipFill>
+          <a:blip r:embed="rId3">
+            <a:extLst>
+              <a:ext uri="{28A0092B-C50C-407E-A947-70E740481C1C}">
+                <a14:useLocalDpi xmlns:a14="http://schemas.microsoft.com/office/drawing/2010/main" val="0"/>
+              </a:ext>
+            </a:extLst>
+          </a:blip>
+          <a:srcRect/>
+          <a:stretch>
+            <a:fillRect/>
+          </a:stretch>
+        </p:blipFill>
+        <p:spPr bwMode="auto">
+          <a:xfrm>
+            <a:off x="10794512" y="6032253"/>
+            <a:ext cx="555184" cy="520948"/>
+          </a:xfrm>
+          <a:prstGeom prst="rect">
+            <a:avLst/>
+          </a:prstGeom>
+          <a:noFill/>
+          <a:extLst>
+            <a:ext uri="{909E8E84-426E-40DD-AFC4-6F175D3DCCD1}">
+              <a14:hiddenFill xmlns:a14="http://schemas.microsoft.com/office/drawing/2010/main">
+                <a:solidFill>
+                  <a:srgbClr val="FFFFFF"/>
+                </a:solidFill>
+              </a14:hiddenFill>
+            </a:ext>
+          </a:extLst>
+        </p:spPr>
+      </p:pic>
     </p:spTree>
     <p:extLst>
       <p:ext uri="{BB962C8B-B14F-4D97-AF65-F5344CB8AC3E}">
@@ -5217,10 +5568,940 @@
   <p:clrMapOvr>
     <a:masterClrMapping/>
   </p:clrMapOvr>
+  <mc:AlternateContent xmlns:mc="http://schemas.openxmlformats.org/markup-compatibility/2006">
+    <mc:Choice xmlns:p159="http://schemas.microsoft.com/office/powerpoint/2015/09/main" Requires="p159">
+      <p:transition>
+        <p159:morph option="byObject"/>
+      </p:transition>
+    </mc:Choice>
+    <mc:Fallback>
+      <p:transition>
+        <p:fade/>
+      </p:transition>
+    </mc:Fallback>
+  </mc:AlternateContent>
+</p:sld>
+</file>
+
+<file path=ppt/slides/slide6.xml><?xml version="1.0" encoding="utf-8"?>
+<p:sld xmlns:a="http://schemas.openxmlformats.org/drawingml/2006/main" xmlns:r="http://schemas.openxmlformats.org/officeDocument/2006/relationships" xmlns:p="http://schemas.openxmlformats.org/presentationml/2006/main">
+  <p:cSld>
+    <p:spTree>
+      <p:nvGrpSpPr>
+        <p:cNvPr id="1" name=""/>
+        <p:cNvGrpSpPr/>
+        <p:nvPr/>
+      </p:nvGrpSpPr>
+      <p:grpSpPr>
+        <a:xfrm>
+          <a:off x="0" y="0"/>
+          <a:ext cx="0" cy="0"/>
+          <a:chOff x="0" y="0"/>
+          <a:chExt cx="0" cy="0"/>
+        </a:xfrm>
+      </p:grpSpPr>
+      <p:sp useBgFill="1">
+        <p:nvSpPr>
+          <p:cNvPr id="32" name="Rectangle 31"/>
+          <p:cNvSpPr>
+            <a:spLocks noGrp="1" noRot="1" noChangeAspect="1" noMove="1" noResize="1" noEditPoints="1" noAdjustHandles="1" noChangeArrowheads="1" noChangeShapeType="1" noTextEdit="1"/>
+          </p:cNvSpPr>
+          <p:nvPr>
+            <p:extLst>
+              <p:ext uri="{386F3935-93C4-4BCD-93E2-E3B085C9AB24}">
+                <p16:designElem xmlns:p16="http://schemas.microsoft.com/office/powerpoint/2015/main" val="1"/>
+              </p:ext>
+            </p:extLst>
+          </p:nvPr>
+        </p:nvSpPr>
+        <p:spPr>
+          <a:xfrm>
+            <a:off x="0" y="0"/>
+            <a:ext cx="12192001" cy="6334316"/>
+          </a:xfrm>
+          <a:prstGeom prst="rect">
+            <a:avLst/>
+          </a:prstGeom>
+          <a:ln>
+            <a:noFill/>
+          </a:ln>
+        </p:spPr>
+        <p:style>
+          <a:lnRef idx="2">
+            <a:schemeClr val="accent1">
+              <a:shade val="50000"/>
+            </a:schemeClr>
+          </a:lnRef>
+          <a:fillRef idx="1">
+            <a:schemeClr val="accent1"/>
+          </a:fillRef>
+          <a:effectRef idx="0">
+            <a:schemeClr val="accent1"/>
+          </a:effectRef>
+          <a:fontRef idx="minor">
+            <a:schemeClr val="lt1"/>
+          </a:fontRef>
+        </p:style>
+        <p:txBody>
+          <a:bodyPr rtlCol="0" anchor="ctr"/>
+          <a:lstStyle/>
+          <a:p>
+            <a:pPr algn="ctr"/>
+            <a:endParaRPr lang="en-US"/>
+          </a:p>
+        </p:txBody>
+      </p:sp>
+      <p:sp>
+        <p:nvSpPr>
+          <p:cNvPr id="34" name="Rectangle 33"/>
+          <p:cNvSpPr>
+            <a:spLocks noGrp="1" noRot="1" noChangeAspect="1" noMove="1" noResize="1" noEditPoints="1" noAdjustHandles="1" noChangeArrowheads="1" noChangeShapeType="1" noTextEdit="1"/>
+          </p:cNvSpPr>
+          <p:nvPr>
+            <p:extLst>
+              <p:ext uri="{386F3935-93C4-4BCD-93E2-E3B085C9AB24}">
+                <p16:designElem xmlns:p16="http://schemas.microsoft.com/office/powerpoint/2015/main" val="1"/>
+              </p:ext>
+            </p:extLst>
+          </p:nvPr>
+        </p:nvSpPr>
+        <p:spPr>
+          <a:xfrm>
+            <a:off x="1" y="6400800"/>
+            <a:ext cx="12192000" cy="457200"/>
+          </a:xfrm>
+          <a:prstGeom prst="rect">
+            <a:avLst/>
+          </a:prstGeom>
+          <a:solidFill>
+            <a:schemeClr val="accent2"/>
+          </a:solidFill>
+          <a:ln>
+            <a:noFill/>
+          </a:ln>
+        </p:spPr>
+        <p:style>
+          <a:lnRef idx="2">
+            <a:schemeClr val="accent1">
+              <a:shade val="50000"/>
+            </a:schemeClr>
+          </a:lnRef>
+          <a:fillRef idx="1">
+            <a:schemeClr val="accent1"/>
+          </a:fillRef>
+          <a:effectRef idx="0">
+            <a:schemeClr val="accent1"/>
+          </a:effectRef>
+          <a:fontRef idx="minor">
+            <a:schemeClr val="lt1"/>
+          </a:fontRef>
+        </p:style>
+      </p:sp>
+      <p:sp>
+        <p:nvSpPr>
+          <p:cNvPr id="36" name="Rectangle 35"/>
+          <p:cNvSpPr>
+            <a:spLocks noGrp="1" noRot="1" noChangeAspect="1" noMove="1" noResize="1" noEditPoints="1" noAdjustHandles="1" noChangeArrowheads="1" noChangeShapeType="1" noTextEdit="1"/>
+          </p:cNvSpPr>
+          <p:nvPr>
+            <p:extLst>
+              <p:ext uri="{386F3935-93C4-4BCD-93E2-E3B085C9AB24}">
+                <p16:designElem xmlns:p16="http://schemas.microsoft.com/office/powerpoint/2015/main" val="1"/>
+              </p:ext>
+            </p:extLst>
+          </p:nvPr>
+        </p:nvSpPr>
+        <p:spPr>
+          <a:xfrm>
+            <a:off x="15" y="6334316"/>
+            <a:ext cx="12191985" cy="66484"/>
+          </a:xfrm>
+          <a:prstGeom prst="rect">
+            <a:avLst/>
+          </a:prstGeom>
+          <a:solidFill>
+            <a:schemeClr val="accent1"/>
+          </a:solidFill>
+          <a:ln>
+            <a:noFill/>
+          </a:ln>
+        </p:spPr>
+        <p:style>
+          <a:lnRef idx="2">
+            <a:schemeClr val="accent1">
+              <a:shade val="50000"/>
+            </a:schemeClr>
+          </a:lnRef>
+          <a:fillRef idx="1">
+            <a:schemeClr val="accent1"/>
+          </a:fillRef>
+          <a:effectRef idx="0">
+            <a:schemeClr val="accent1"/>
+          </a:effectRef>
+          <a:fontRef idx="minor">
+            <a:schemeClr val="lt1"/>
+          </a:fontRef>
+        </p:style>
+      </p:sp>
+      <p:cxnSp>
+        <p:nvCxnSpPr>
+          <p:cNvPr id="38" name="Straight Connector 37"/>
+          <p:cNvCxnSpPr>
+            <a:cxnSpLocks noGrp="1" noRot="1" noChangeAspect="1" noMove="1" noResize="1" noEditPoints="1" noAdjustHandles="1" noChangeArrowheads="1" noChangeShapeType="1"/>
+          </p:cNvCxnSpPr>
+          <p:nvPr>
+            <p:extLst>
+              <p:ext uri="{386F3935-93C4-4BCD-93E2-E3B085C9AB24}">
+                <p16:designElem xmlns:p16="http://schemas.microsoft.com/office/powerpoint/2015/main" val="1"/>
+              </p:ext>
+            </p:extLst>
+          </p:nvPr>
+        </p:nvCxnSpPr>
+        <p:spPr>
+          <a:xfrm>
+            <a:off x="7892143" y="2085703"/>
+            <a:ext cx="3566160" cy="0"/>
+          </a:xfrm>
+          <a:prstGeom prst="line">
+            <a:avLst/>
+          </a:prstGeom>
+          <a:ln w="6350">
+            <a:solidFill>
+              <a:schemeClr val="tx1">
+                <a:lumMod val="50000"/>
+                <a:lumOff val="50000"/>
+                <a:alpha val="90000"/>
+              </a:schemeClr>
+            </a:solidFill>
+          </a:ln>
+        </p:spPr>
+        <p:style>
+          <a:lnRef idx="1">
+            <a:schemeClr val="accent1"/>
+          </a:lnRef>
+          <a:fillRef idx="0">
+            <a:schemeClr val="accent1"/>
+          </a:fillRef>
+          <a:effectRef idx="0">
+            <a:schemeClr val="accent1"/>
+          </a:effectRef>
+          <a:fontRef idx="minor">
+            <a:schemeClr val="tx1"/>
+          </a:fontRef>
+        </p:style>
+      </p:cxnSp>
+      <p:sp>
+        <p:nvSpPr>
+          <p:cNvPr id="2" name="Título 1"/>
+          <p:cNvSpPr>
+            <a:spLocks noGrp="1"/>
+          </p:cNvSpPr>
+          <p:nvPr>
+            <p:ph type="title"/>
+          </p:nvPr>
+        </p:nvSpPr>
+        <p:spPr>
+          <a:xfrm>
+            <a:off x="7859485" y="634946"/>
+            <a:ext cx="3690257" cy="1450757"/>
+          </a:xfrm>
+        </p:spPr>
+        <p:txBody>
+          <a:bodyPr>
+            <a:normAutofit/>
+          </a:bodyPr>
+          <a:lstStyle/>
+          <a:p>
+            <a:r>
+              <a:rPr lang="pt-BR" dirty="0"/>
+              <a:t>Resultados</a:t>
+            </a:r>
+          </a:p>
+        </p:txBody>
+      </p:sp>
+      <p:sp>
+        <p:nvSpPr>
+          <p:cNvPr id="3" name="Espaço Reservado para Conteúdo 2"/>
+          <p:cNvSpPr>
+            <a:spLocks noGrp="1"/>
+          </p:cNvSpPr>
+          <p:nvPr>
+            <p:ph idx="1"/>
+          </p:nvPr>
+        </p:nvSpPr>
+        <p:spPr>
+          <a:xfrm>
+            <a:off x="7859485" y="2198914"/>
+            <a:ext cx="4084865" cy="3670180"/>
+          </a:xfrm>
+        </p:spPr>
+        <p:txBody>
+          <a:bodyPr>
+            <a:normAutofit/>
+          </a:bodyPr>
+          <a:lstStyle/>
+          <a:p>
+            <a:pPr lvl="1">
+              <a:buFont typeface="Arial" panose="020B0604020202020204" pitchFamily="34" charset="0"/>
+              <a:buChar char="•"/>
+            </a:pPr>
+            <a:r>
+              <a:rPr lang="pt-BR" dirty="0"/>
+              <a:t>Regressão em escala logarítmica</a:t>
+            </a:r>
+          </a:p>
+          <a:p>
+            <a:pPr lvl="1">
+              <a:buFont typeface="Arial" panose="020B0604020202020204" pitchFamily="34" charset="0"/>
+              <a:buChar char="•"/>
+            </a:pPr>
+            <a:endParaRPr lang="pt-BR" dirty="0"/>
+          </a:p>
+          <a:p>
+            <a:pPr lvl="1">
+              <a:buFont typeface="Arial" panose="020B0604020202020204" pitchFamily="34" charset="0"/>
+              <a:buChar char="•"/>
+            </a:pPr>
+            <a:r>
+              <a:rPr lang="pt-BR" dirty="0" err="1"/>
+              <a:t>lm</a:t>
+            </a:r>
+            <a:r>
+              <a:rPr lang="pt-BR" dirty="0"/>
+              <a:t>(log(</a:t>
+            </a:r>
+            <a:r>
+              <a:rPr lang="pt-BR" dirty="0" err="1"/>
+              <a:t>dados$Iteracoes</a:t>
+            </a:r>
+            <a:r>
+              <a:rPr lang="pt-BR" dirty="0"/>
+              <a:t>)~log(</a:t>
+            </a:r>
+            <a:r>
+              <a:rPr lang="pt-BR" dirty="0" err="1"/>
+              <a:t>dados$N</a:t>
+            </a:r>
+            <a:r>
+              <a:rPr lang="pt-BR" dirty="0"/>
+              <a:t>))</a:t>
+            </a:r>
+          </a:p>
+          <a:p>
+            <a:pPr lvl="1">
+              <a:buFont typeface="Arial" panose="020B0604020202020204" pitchFamily="34" charset="0"/>
+              <a:buChar char="•"/>
+            </a:pPr>
+            <a:endParaRPr lang="pt-BR" dirty="0"/>
+          </a:p>
+          <a:p>
+            <a:pPr lvl="1">
+              <a:buFont typeface="Arial" panose="020B0604020202020204" pitchFamily="34" charset="0"/>
+              <a:buChar char="•"/>
+            </a:pPr>
+            <a:r>
+              <a:rPr lang="pt-BR" dirty="0"/>
+              <a:t>y = n</a:t>
+            </a:r>
+            <a:r>
+              <a:rPr lang="pt-BR" baseline="30000" dirty="0"/>
+              <a:t>1.740 </a:t>
+            </a:r>
+          </a:p>
+          <a:p>
+            <a:pPr lvl="1">
+              <a:buFont typeface="Arial" panose="020B0604020202020204" pitchFamily="34" charset="0"/>
+              <a:buChar char="•"/>
+            </a:pPr>
+            <a:r>
+              <a:rPr lang="pt-BR" dirty="0" err="1"/>
+              <a:t>Intercept</a:t>
+            </a:r>
+            <a:r>
+              <a:rPr lang="pt-BR" dirty="0"/>
+              <a:t> = 1.435</a:t>
+            </a:r>
+          </a:p>
+        </p:txBody>
+      </p:sp>
+      <p:pic>
+        <p:nvPicPr>
+          <p:cNvPr id="5" name="Imagem 4" descr="Uma imagem contendo texto, mapa, céu&#10;&#10;Descrição gerada com muito alta confiança"/>
+          <p:cNvPicPr>
+            <a:picLocks noChangeAspect="1"/>
+          </p:cNvPicPr>
+          <p:nvPr/>
+        </p:nvPicPr>
+        <p:blipFill rotWithShape="1">
+          <a:blip r:embed="rId2">
+            <a:extLst>
+              <a:ext uri="{28A0092B-C50C-407E-A947-70E740481C1C}">
+                <a14:useLocalDpi xmlns:a14="http://schemas.microsoft.com/office/drawing/2010/main" val="0"/>
+              </a:ext>
+            </a:extLst>
+          </a:blip>
+          <a:srcRect r="15884"/>
+          <a:stretch/>
+        </p:blipFill>
+        <p:spPr>
+          <a:xfrm>
+            <a:off x="457199" y="447676"/>
+            <a:ext cx="7254239" cy="5334000"/>
+          </a:xfrm>
+          <a:prstGeom prst="rect">
+            <a:avLst/>
+          </a:prstGeom>
+        </p:spPr>
+      </p:pic>
+      <p:sp>
+        <p:nvSpPr>
+          <p:cNvPr id="8" name="Espaço Reservado para Número de Slide 7"/>
+          <p:cNvSpPr>
+            <a:spLocks noGrp="1"/>
+          </p:cNvSpPr>
+          <p:nvPr>
+            <p:ph type="sldNum" sz="quarter" idx="12"/>
+          </p:nvPr>
+        </p:nvSpPr>
+        <p:spPr/>
+        <p:txBody>
+          <a:bodyPr/>
+          <a:lstStyle/>
+          <a:p>
+            <a:fld id="{15B97A44-E15A-45A7-B338-28DB75C4FCAC}" type="slidenum">
+              <a:rPr lang="pt-BR" smtClean="0"/>
+              <a:t>6</a:t>
+            </a:fld>
+            <a:endParaRPr lang="pt-BR"/>
+          </a:p>
+        </p:txBody>
+      </p:sp>
+      <p:pic>
+        <p:nvPicPr>
+          <p:cNvPr id="13" name="Picture 2" descr="http://www.clker.com/cliparts/3/2/8/3/122054664916136449portablejim_Chess_tile_-_Queen_1.svg.hi.png"/>
+          <p:cNvPicPr>
+            <a:picLocks noChangeAspect="1" noChangeArrowheads="1"/>
+          </p:cNvPicPr>
+          <p:nvPr/>
+        </p:nvPicPr>
+        <p:blipFill>
+          <a:blip r:embed="rId3">
+            <a:extLst>
+              <a:ext uri="{28A0092B-C50C-407E-A947-70E740481C1C}">
+                <a14:useLocalDpi xmlns:a14="http://schemas.microsoft.com/office/drawing/2010/main" val="0"/>
+              </a:ext>
+            </a:extLst>
+          </a:blip>
+          <a:srcRect/>
+          <a:stretch>
+            <a:fillRect/>
+          </a:stretch>
+        </p:blipFill>
+        <p:spPr bwMode="auto">
+          <a:xfrm>
+            <a:off x="10794512" y="6032253"/>
+            <a:ext cx="555184" cy="520948"/>
+          </a:xfrm>
+          <a:prstGeom prst="rect">
+            <a:avLst/>
+          </a:prstGeom>
+          <a:noFill/>
+          <a:extLst>
+            <a:ext uri="{909E8E84-426E-40DD-AFC4-6F175D3DCCD1}">
+              <a14:hiddenFill xmlns:a14="http://schemas.microsoft.com/office/drawing/2010/main">
+                <a:solidFill>
+                  <a:srgbClr val="FFFFFF"/>
+                </a:solidFill>
+              </a14:hiddenFill>
+            </a:ext>
+          </a:extLst>
+        </p:spPr>
+      </p:pic>
+    </p:spTree>
+    <p:extLst>
+      <p:ext uri="{BB962C8B-B14F-4D97-AF65-F5344CB8AC3E}">
+        <p14:creationId xmlns:p14="http://schemas.microsoft.com/office/powerpoint/2010/main" val="1191351181"/>
+      </p:ext>
+    </p:extLst>
+  </p:cSld>
+  <p:clrMapOvr>
+    <a:masterClrMapping/>
+  </p:clrMapOvr>
+  <mc:AlternateContent xmlns:mc="http://schemas.openxmlformats.org/markup-compatibility/2006">
+    <mc:Choice xmlns:p159="http://schemas.microsoft.com/office/powerpoint/2015/09/main" Requires="p159">
+      <p:transition>
+        <p159:morph option="byObject"/>
+      </p:transition>
+    </mc:Choice>
+    <mc:Fallback>
+      <p:transition>
+        <p:fade/>
+      </p:transition>
+    </mc:Fallback>
+  </mc:AlternateContent>
 </p:sld>
 </file>
 
 <file path=ppt/slides/slide7.xml><?xml version="1.0" encoding="utf-8"?>
+<p:sld xmlns:a="http://schemas.openxmlformats.org/drawingml/2006/main" xmlns:r="http://schemas.openxmlformats.org/officeDocument/2006/relationships" xmlns:p="http://schemas.openxmlformats.org/presentationml/2006/main">
+  <p:cSld>
+    <p:spTree>
+      <p:nvGrpSpPr>
+        <p:cNvPr id="1" name=""/>
+        <p:cNvGrpSpPr/>
+        <p:nvPr/>
+      </p:nvGrpSpPr>
+      <p:grpSpPr>
+        <a:xfrm>
+          <a:off x="0" y="0"/>
+          <a:ext cx="0" cy="0"/>
+          <a:chOff x="0" y="0"/>
+          <a:chExt cx="0" cy="0"/>
+        </a:xfrm>
+      </p:grpSpPr>
+      <p:sp useBgFill="1">
+        <p:nvSpPr>
+          <p:cNvPr id="32" name="Rectangle 31"/>
+          <p:cNvSpPr>
+            <a:spLocks noGrp="1" noRot="1" noChangeAspect="1" noMove="1" noResize="1" noEditPoints="1" noAdjustHandles="1" noChangeArrowheads="1" noChangeShapeType="1" noTextEdit="1"/>
+          </p:cNvSpPr>
+          <p:nvPr>
+            <p:extLst>
+              <p:ext uri="{386F3935-93C4-4BCD-93E2-E3B085C9AB24}">
+                <p16:designElem xmlns:p16="http://schemas.microsoft.com/office/powerpoint/2015/main" val="1"/>
+              </p:ext>
+            </p:extLst>
+          </p:nvPr>
+        </p:nvSpPr>
+        <p:spPr>
+          <a:xfrm>
+            <a:off x="0" y="0"/>
+            <a:ext cx="12192001" cy="6334316"/>
+          </a:xfrm>
+          <a:prstGeom prst="rect">
+            <a:avLst/>
+          </a:prstGeom>
+          <a:ln>
+            <a:noFill/>
+          </a:ln>
+        </p:spPr>
+        <p:style>
+          <a:lnRef idx="2">
+            <a:schemeClr val="accent1">
+              <a:shade val="50000"/>
+            </a:schemeClr>
+          </a:lnRef>
+          <a:fillRef idx="1">
+            <a:schemeClr val="accent1"/>
+          </a:fillRef>
+          <a:effectRef idx="0">
+            <a:schemeClr val="accent1"/>
+          </a:effectRef>
+          <a:fontRef idx="minor">
+            <a:schemeClr val="lt1"/>
+          </a:fontRef>
+        </p:style>
+        <p:txBody>
+          <a:bodyPr rtlCol="0" anchor="ctr"/>
+          <a:lstStyle/>
+          <a:p>
+            <a:pPr algn="ctr"/>
+            <a:endParaRPr lang="en-US"/>
+          </a:p>
+        </p:txBody>
+      </p:sp>
+      <p:sp>
+        <p:nvSpPr>
+          <p:cNvPr id="34" name="Rectangle 33"/>
+          <p:cNvSpPr>
+            <a:spLocks noGrp="1" noRot="1" noChangeAspect="1" noMove="1" noResize="1" noEditPoints="1" noAdjustHandles="1" noChangeArrowheads="1" noChangeShapeType="1" noTextEdit="1"/>
+          </p:cNvSpPr>
+          <p:nvPr>
+            <p:extLst>
+              <p:ext uri="{386F3935-93C4-4BCD-93E2-E3B085C9AB24}">
+                <p16:designElem xmlns:p16="http://schemas.microsoft.com/office/powerpoint/2015/main" val="1"/>
+              </p:ext>
+            </p:extLst>
+          </p:nvPr>
+        </p:nvSpPr>
+        <p:spPr>
+          <a:xfrm>
+            <a:off x="1" y="6400800"/>
+            <a:ext cx="12192000" cy="457200"/>
+          </a:xfrm>
+          <a:prstGeom prst="rect">
+            <a:avLst/>
+          </a:prstGeom>
+          <a:solidFill>
+            <a:schemeClr val="accent2"/>
+          </a:solidFill>
+          <a:ln>
+            <a:noFill/>
+          </a:ln>
+        </p:spPr>
+        <p:style>
+          <a:lnRef idx="2">
+            <a:schemeClr val="accent1">
+              <a:shade val="50000"/>
+            </a:schemeClr>
+          </a:lnRef>
+          <a:fillRef idx="1">
+            <a:schemeClr val="accent1"/>
+          </a:fillRef>
+          <a:effectRef idx="0">
+            <a:schemeClr val="accent1"/>
+          </a:effectRef>
+          <a:fontRef idx="minor">
+            <a:schemeClr val="lt1"/>
+          </a:fontRef>
+        </p:style>
+      </p:sp>
+      <p:sp>
+        <p:nvSpPr>
+          <p:cNvPr id="36" name="Rectangle 35"/>
+          <p:cNvSpPr>
+            <a:spLocks noGrp="1" noRot="1" noChangeAspect="1" noMove="1" noResize="1" noEditPoints="1" noAdjustHandles="1" noChangeArrowheads="1" noChangeShapeType="1" noTextEdit="1"/>
+          </p:cNvSpPr>
+          <p:nvPr>
+            <p:extLst>
+              <p:ext uri="{386F3935-93C4-4BCD-93E2-E3B085C9AB24}">
+                <p16:designElem xmlns:p16="http://schemas.microsoft.com/office/powerpoint/2015/main" val="1"/>
+              </p:ext>
+            </p:extLst>
+          </p:nvPr>
+        </p:nvSpPr>
+        <p:spPr>
+          <a:xfrm>
+            <a:off x="15" y="6334316"/>
+            <a:ext cx="12191985" cy="66484"/>
+          </a:xfrm>
+          <a:prstGeom prst="rect">
+            <a:avLst/>
+          </a:prstGeom>
+          <a:solidFill>
+            <a:schemeClr val="accent1"/>
+          </a:solidFill>
+          <a:ln>
+            <a:noFill/>
+          </a:ln>
+        </p:spPr>
+        <p:style>
+          <a:lnRef idx="2">
+            <a:schemeClr val="accent1">
+              <a:shade val="50000"/>
+            </a:schemeClr>
+          </a:lnRef>
+          <a:fillRef idx="1">
+            <a:schemeClr val="accent1"/>
+          </a:fillRef>
+          <a:effectRef idx="0">
+            <a:schemeClr val="accent1"/>
+          </a:effectRef>
+          <a:fontRef idx="minor">
+            <a:schemeClr val="lt1"/>
+          </a:fontRef>
+        </p:style>
+      </p:sp>
+      <p:cxnSp>
+        <p:nvCxnSpPr>
+          <p:cNvPr id="38" name="Straight Connector 37"/>
+          <p:cNvCxnSpPr>
+            <a:cxnSpLocks noGrp="1" noRot="1" noChangeAspect="1" noMove="1" noResize="1" noEditPoints="1" noAdjustHandles="1" noChangeArrowheads="1" noChangeShapeType="1"/>
+          </p:cNvCxnSpPr>
+          <p:nvPr>
+            <p:extLst>
+              <p:ext uri="{386F3935-93C4-4BCD-93E2-E3B085C9AB24}">
+                <p16:designElem xmlns:p16="http://schemas.microsoft.com/office/powerpoint/2015/main" val="1"/>
+              </p:ext>
+            </p:extLst>
+          </p:nvPr>
+        </p:nvCxnSpPr>
+        <p:spPr>
+          <a:xfrm>
+            <a:off x="7892143" y="2085703"/>
+            <a:ext cx="3566160" cy="0"/>
+          </a:xfrm>
+          <a:prstGeom prst="line">
+            <a:avLst/>
+          </a:prstGeom>
+          <a:ln w="6350">
+            <a:solidFill>
+              <a:schemeClr val="tx1">
+                <a:lumMod val="50000"/>
+                <a:lumOff val="50000"/>
+                <a:alpha val="90000"/>
+              </a:schemeClr>
+            </a:solidFill>
+          </a:ln>
+        </p:spPr>
+        <p:style>
+          <a:lnRef idx="1">
+            <a:schemeClr val="accent1"/>
+          </a:lnRef>
+          <a:fillRef idx="0">
+            <a:schemeClr val="accent1"/>
+          </a:fillRef>
+          <a:effectRef idx="0">
+            <a:schemeClr val="accent1"/>
+          </a:effectRef>
+          <a:fontRef idx="minor">
+            <a:schemeClr val="tx1"/>
+          </a:fontRef>
+        </p:style>
+      </p:cxnSp>
+      <p:sp>
+        <p:nvSpPr>
+          <p:cNvPr id="2" name="Título 1"/>
+          <p:cNvSpPr>
+            <a:spLocks noGrp="1"/>
+          </p:cNvSpPr>
+          <p:nvPr>
+            <p:ph type="title"/>
+          </p:nvPr>
+        </p:nvSpPr>
+        <p:spPr>
+          <a:xfrm>
+            <a:off x="7859485" y="634946"/>
+            <a:ext cx="3690257" cy="1450757"/>
+          </a:xfrm>
+        </p:spPr>
+        <p:txBody>
+          <a:bodyPr>
+            <a:normAutofit/>
+          </a:bodyPr>
+          <a:lstStyle/>
+          <a:p>
+            <a:r>
+              <a:rPr lang="pt-BR" dirty="0"/>
+              <a:t>Esperado</a:t>
+            </a:r>
+          </a:p>
+        </p:txBody>
+      </p:sp>
+      <p:sp>
+        <p:nvSpPr>
+          <p:cNvPr id="3" name="Espaço Reservado para Conteúdo 2"/>
+          <p:cNvSpPr>
+            <a:spLocks noGrp="1"/>
+          </p:cNvSpPr>
+          <p:nvPr>
+            <p:ph idx="1"/>
+          </p:nvPr>
+        </p:nvSpPr>
+        <p:spPr>
+          <a:xfrm>
+            <a:off x="7859485" y="2198914"/>
+            <a:ext cx="4084865" cy="3670180"/>
+          </a:xfrm>
+        </p:spPr>
+        <p:txBody>
+          <a:bodyPr>
+            <a:normAutofit/>
+          </a:bodyPr>
+          <a:lstStyle/>
+          <a:p>
+            <a:pPr lvl="1">
+              <a:buFont typeface="Arial" panose="020B0604020202020204" pitchFamily="34" charset="0"/>
+              <a:buChar char="•"/>
+            </a:pPr>
+            <a:r>
+              <a:rPr lang="pt-BR" dirty="0"/>
+              <a:t>Regressão em escala logarítmica</a:t>
+            </a:r>
+          </a:p>
+          <a:p>
+            <a:pPr lvl="1">
+              <a:buFont typeface="Arial" panose="020B0604020202020204" pitchFamily="34" charset="0"/>
+              <a:buChar char="•"/>
+            </a:pPr>
+            <a:endParaRPr lang="pt-BR" dirty="0"/>
+          </a:p>
+          <a:p>
+            <a:pPr lvl="1">
+              <a:buFont typeface="Arial" panose="020B0604020202020204" pitchFamily="34" charset="0"/>
+              <a:buChar char="•"/>
+            </a:pPr>
+            <a:r>
+              <a:rPr lang="pt-BR" dirty="0" err="1"/>
+              <a:t>lm</a:t>
+            </a:r>
+            <a:r>
+              <a:rPr lang="pt-BR" dirty="0"/>
+              <a:t>(log(</a:t>
+            </a:r>
+            <a:r>
+              <a:rPr lang="pt-BR" dirty="0" err="1"/>
+              <a:t>dados$Iteracoes</a:t>
+            </a:r>
+            <a:r>
+              <a:rPr lang="pt-BR" dirty="0"/>
+              <a:t>)~log(</a:t>
+            </a:r>
+            <a:r>
+              <a:rPr lang="pt-BR" dirty="0" err="1"/>
+              <a:t>dados$N</a:t>
+            </a:r>
+            <a:r>
+              <a:rPr lang="pt-BR" dirty="0"/>
+              <a:t>))</a:t>
+            </a:r>
+          </a:p>
+          <a:p>
+            <a:pPr lvl="1">
+              <a:buFont typeface="Arial" panose="020B0604020202020204" pitchFamily="34" charset="0"/>
+              <a:buChar char="•"/>
+            </a:pPr>
+            <a:endParaRPr lang="pt-BR" dirty="0"/>
+          </a:p>
+          <a:p>
+            <a:pPr lvl="1">
+              <a:buFont typeface="Arial" panose="020B0604020202020204" pitchFamily="34" charset="0"/>
+              <a:buChar char="•"/>
+            </a:pPr>
+            <a:r>
+              <a:rPr lang="pt-BR" dirty="0"/>
+              <a:t>y = n</a:t>
+            </a:r>
+            <a:r>
+              <a:rPr lang="pt-BR" baseline="30000" dirty="0"/>
+              <a:t>2 </a:t>
+            </a:r>
+          </a:p>
+          <a:p>
+            <a:pPr lvl="1">
+              <a:buFont typeface="Arial" panose="020B0604020202020204" pitchFamily="34" charset="0"/>
+              <a:buChar char="•"/>
+            </a:pPr>
+            <a:r>
+              <a:rPr lang="pt-BR" dirty="0" err="1"/>
+              <a:t>Intercept</a:t>
+            </a:r>
+            <a:r>
+              <a:rPr lang="pt-BR" dirty="0"/>
+              <a:t> = 1.435</a:t>
+            </a:r>
+          </a:p>
+        </p:txBody>
+      </p:sp>
+      <p:pic>
+        <p:nvPicPr>
+          <p:cNvPr id="6" name="Imagem 5" descr="Uma imagem contendo texto, mapa&#10;&#10;Descrição gerada com muito alta confiança"/>
+          <p:cNvPicPr>
+            <a:picLocks noChangeAspect="1"/>
+          </p:cNvPicPr>
+          <p:nvPr/>
+        </p:nvPicPr>
+        <p:blipFill rotWithShape="1">
+          <a:blip r:embed="rId2">
+            <a:extLst>
+              <a:ext uri="{28A0092B-C50C-407E-A947-70E740481C1C}">
+                <a14:useLocalDpi xmlns:a14="http://schemas.microsoft.com/office/drawing/2010/main" val="0"/>
+              </a:ext>
+            </a:extLst>
+          </a:blip>
+          <a:srcRect r="14219"/>
+          <a:stretch/>
+        </p:blipFill>
+        <p:spPr>
+          <a:xfrm>
+            <a:off x="137082" y="634946"/>
+            <a:ext cx="7761567" cy="5320855"/>
+          </a:xfrm>
+          <a:prstGeom prst="rect">
+            <a:avLst/>
+          </a:prstGeom>
+        </p:spPr>
+      </p:pic>
+      <p:sp>
+        <p:nvSpPr>
+          <p:cNvPr id="7" name="Espaço Reservado para Número de Slide 6"/>
+          <p:cNvSpPr>
+            <a:spLocks noGrp="1"/>
+          </p:cNvSpPr>
+          <p:nvPr>
+            <p:ph type="sldNum" sz="quarter" idx="12"/>
+          </p:nvPr>
+        </p:nvSpPr>
+        <p:spPr/>
+        <p:txBody>
+          <a:bodyPr/>
+          <a:lstStyle/>
+          <a:p>
+            <a:fld id="{15B97A44-E15A-45A7-B338-28DB75C4FCAC}" type="slidenum">
+              <a:rPr lang="pt-BR" smtClean="0"/>
+              <a:t>7</a:t>
+            </a:fld>
+            <a:endParaRPr lang="pt-BR"/>
+          </a:p>
+        </p:txBody>
+      </p:sp>
+      <p:pic>
+        <p:nvPicPr>
+          <p:cNvPr id="12" name="Picture 2" descr="http://www.clker.com/cliparts/3/2/8/3/122054664916136449portablejim_Chess_tile_-_Queen_1.svg.hi.png"/>
+          <p:cNvPicPr>
+            <a:picLocks noChangeAspect="1" noChangeArrowheads="1"/>
+          </p:cNvPicPr>
+          <p:nvPr/>
+        </p:nvPicPr>
+        <p:blipFill>
+          <a:blip r:embed="rId3">
+            <a:extLst>
+              <a:ext uri="{28A0092B-C50C-407E-A947-70E740481C1C}">
+                <a14:useLocalDpi xmlns:a14="http://schemas.microsoft.com/office/drawing/2010/main" val="0"/>
+              </a:ext>
+            </a:extLst>
+          </a:blip>
+          <a:srcRect/>
+          <a:stretch>
+            <a:fillRect/>
+          </a:stretch>
+        </p:blipFill>
+        <p:spPr bwMode="auto">
+          <a:xfrm>
+            <a:off x="10794512" y="6032253"/>
+            <a:ext cx="555184" cy="520948"/>
+          </a:xfrm>
+          <a:prstGeom prst="rect">
+            <a:avLst/>
+          </a:prstGeom>
+          <a:noFill/>
+          <a:extLst>
+            <a:ext uri="{909E8E84-426E-40DD-AFC4-6F175D3DCCD1}">
+              <a14:hiddenFill xmlns:a14="http://schemas.microsoft.com/office/drawing/2010/main">
+                <a:solidFill>
+                  <a:srgbClr val="FFFFFF"/>
+                </a:solidFill>
+              </a14:hiddenFill>
+            </a:ext>
+          </a:extLst>
+        </p:spPr>
+      </p:pic>
+    </p:spTree>
+    <p:extLst>
+      <p:ext uri="{BB962C8B-B14F-4D97-AF65-F5344CB8AC3E}">
+        <p14:creationId xmlns:p14="http://schemas.microsoft.com/office/powerpoint/2010/main" val="1967303069"/>
+      </p:ext>
+    </p:extLst>
+  </p:cSld>
+  <p:clrMapOvr>
+    <a:masterClrMapping/>
+  </p:clrMapOvr>
+  <mc:AlternateContent xmlns:mc="http://schemas.openxmlformats.org/markup-compatibility/2006">
+    <mc:Choice xmlns:p159="http://schemas.microsoft.com/office/powerpoint/2015/09/main" Requires="p159">
+      <p:transition>
+        <p159:morph option="byObject"/>
+      </p:transition>
+    </mc:Choice>
+    <mc:Fallback>
+      <p:transition>
+        <p:fade/>
+      </p:transition>
+    </mc:Fallback>
+  </mc:AlternateContent>
+</p:sld>
+</file>
+
+<file path=ppt/slides/slide8.xml><?xml version="1.0" encoding="utf-8"?>
 <p:sld xmlns:a="http://schemas.openxmlformats.org/drawingml/2006/main" xmlns:r="http://schemas.openxmlformats.org/officeDocument/2006/relationships" xmlns:p="http://schemas.openxmlformats.org/presentationml/2006/main">
   <p:cSld>
     <p:spTree>
@@ -5354,6 +6635,29 @@
           </a:extLst>
         </p:spPr>
       </p:pic>
+      <p:sp>
+        <p:nvSpPr>
+          <p:cNvPr id="4" name="Espaço Reservado para Número de Slide 3"/>
+          <p:cNvSpPr>
+            <a:spLocks noGrp="1"/>
+          </p:cNvSpPr>
+          <p:nvPr>
+            <p:ph type="sldNum" sz="quarter" idx="12"/>
+          </p:nvPr>
+        </p:nvSpPr>
+        <p:spPr/>
+        <p:txBody>
+          <a:bodyPr/>
+          <a:lstStyle/>
+          <a:p>
+            <a:fld id="{15B97A44-E15A-45A7-B338-28DB75C4FCAC}" type="slidenum">
+              <a:rPr lang="pt-BR" smtClean="0"/>
+              <a:t>8</a:t>
+            </a:fld>
+            <a:endParaRPr lang="pt-BR"/>
+          </a:p>
+        </p:txBody>
+      </p:sp>
     </p:spTree>
     <p:extLst>
       <p:ext uri="{BB962C8B-B14F-4D97-AF65-F5344CB8AC3E}">
@@ -5364,14 +6668,14 @@
   <p:clrMapOvr>
     <a:masterClrMapping/>
   </p:clrMapOvr>
-  <mc:AlternateContent xmlns:mc="http://schemas.openxmlformats.org/markup-compatibility/2006" xmlns:p14="http://schemas.microsoft.com/office/powerpoint/2010/main">
-    <mc:Choice Requires="p14">
-      <p:transition spd="slow" p14:dur="3400">
-        <p14:reveal/>
+  <mc:AlternateContent xmlns:mc="http://schemas.openxmlformats.org/markup-compatibility/2006">
+    <mc:Choice xmlns:p159="http://schemas.microsoft.com/office/powerpoint/2015/09/main" Requires="p159">
+      <p:transition>
+        <p159:morph option="byObject"/>
       </p:transition>
     </mc:Choice>
-    <mc:Fallback xmlns="">
-      <p:transition spd="slow">
+    <mc:Fallback>
+      <p:transition>
         <p:fade/>
       </p:transition>
     </mc:Fallback>
@@ -5660,4 +6964,299 @@
     </a:ext>
   </a:extLst>
 </a:theme>
+</file>
+
+<file path=ppt/theme/theme2.xml><?xml version="1.0" encoding="utf-8"?>
+<a:theme xmlns:a="http://schemas.openxmlformats.org/drawingml/2006/main" name="Tema do Office">
+  <a:themeElements>
+    <a:clrScheme name="Office">
+      <a:dk1>
+        <a:sysClr val="windowText" lastClr="000000"/>
+      </a:dk1>
+      <a:lt1>
+        <a:sysClr val="window" lastClr="FFFFFF"/>
+      </a:lt1>
+      <a:dk2>
+        <a:srgbClr val="44546A"/>
+      </a:dk2>
+      <a:lt2>
+        <a:srgbClr val="E7E6E6"/>
+      </a:lt2>
+      <a:accent1>
+        <a:srgbClr val="4472C4"/>
+      </a:accent1>
+      <a:accent2>
+        <a:srgbClr val="ED7D31"/>
+      </a:accent2>
+      <a:accent3>
+        <a:srgbClr val="A5A5A5"/>
+      </a:accent3>
+      <a:accent4>
+        <a:srgbClr val="FFC000"/>
+      </a:accent4>
+      <a:accent5>
+        <a:srgbClr val="5B9BD5"/>
+      </a:accent5>
+      <a:accent6>
+        <a:srgbClr val="70AD47"/>
+      </a:accent6>
+      <a:hlink>
+        <a:srgbClr val="0563C1"/>
+      </a:hlink>
+      <a:folHlink>
+        <a:srgbClr val="954F72"/>
+      </a:folHlink>
+    </a:clrScheme>
+    <a:fontScheme name="Office">
+      <a:majorFont>
+        <a:latin typeface="Calibri Light" panose="020F0302020204030204"/>
+        <a:ea typeface=""/>
+        <a:cs typeface=""/>
+        <a:font script="Jpan" typeface="游ゴシック Light"/>
+        <a:font script="Hang" typeface="맑은 고딕"/>
+        <a:font script="Hans" typeface="等线 Light"/>
+        <a:font script="Hant" typeface="新細明體"/>
+        <a:font script="Arab" typeface="Times New Roman"/>
+        <a:font script="Hebr" typeface="Times New Roman"/>
+        <a:font script="Thai" typeface="Angsana New"/>
+        <a:font script="Ethi" typeface="Nyala"/>
+        <a:font script="Beng" typeface="Vrinda"/>
+        <a:font script="Gujr" typeface="Shruti"/>
+        <a:font script="Khmr" typeface="MoolBoran"/>
+        <a:font script="Knda" typeface="Tunga"/>
+        <a:font script="Guru" typeface="Raavi"/>
+        <a:font script="Cans" typeface="Euphemia"/>
+        <a:font script="Cher" typeface="Plantagenet Cherokee"/>
+        <a:font script="Yiii" typeface="Microsoft Yi Baiti"/>
+        <a:font script="Tibt" typeface="Microsoft Himalaya"/>
+        <a:font script="Thaa" typeface="MV Boli"/>
+        <a:font script="Deva" typeface="Mangal"/>
+        <a:font script="Telu" typeface="Gautami"/>
+        <a:font script="Taml" typeface="Latha"/>
+        <a:font script="Syrc" typeface="Estrangelo Edessa"/>
+        <a:font script="Orya" typeface="Kalinga"/>
+        <a:font script="Mlym" typeface="Kartika"/>
+        <a:font script="Laoo" typeface="DokChampa"/>
+        <a:font script="Sinh" typeface="Iskoola Pota"/>
+        <a:font script="Mong" typeface="Mongolian Baiti"/>
+        <a:font script="Viet" typeface="Times New Roman"/>
+        <a:font script="Uigh" typeface="Microsoft Uighur"/>
+        <a:font script="Geor" typeface="Sylfaen"/>
+        <a:font script="Armn" typeface="Arial"/>
+        <a:font script="Bugi" typeface="Leelawadee UI"/>
+        <a:font script="Bopo" typeface="Microsoft JhengHei"/>
+        <a:font script="Java" typeface="Javanese Text"/>
+        <a:font script="Lisu" typeface="Segoe UI"/>
+        <a:font script="Mymr" typeface="Myanmar Text"/>
+        <a:font script="Nkoo" typeface="Ebrima"/>
+        <a:font script="Olck" typeface="Nirmala UI"/>
+        <a:font script="Osma" typeface="Ebrima"/>
+        <a:font script="Phag" typeface="Phagspa"/>
+        <a:font script="Syrn" typeface="Estrangelo Edessa"/>
+        <a:font script="Syrj" typeface="Estrangelo Edessa"/>
+        <a:font script="Syre" typeface="Estrangelo Edessa"/>
+        <a:font script="Sora" typeface="Nirmala UI"/>
+        <a:font script="Tale" typeface="Microsoft Tai Le"/>
+        <a:font script="Talu" typeface="Microsoft New Tai Lue"/>
+        <a:font script="Tfng" typeface="Ebrima"/>
+      </a:majorFont>
+      <a:minorFont>
+        <a:latin typeface="Calibri" panose="020F0502020204030204"/>
+        <a:ea typeface=""/>
+        <a:cs typeface=""/>
+        <a:font script="Jpan" typeface="游ゴシック"/>
+        <a:font script="Hang" typeface="맑은 고딕"/>
+        <a:font script="Hans" typeface="等线"/>
+        <a:font script="Hant" typeface="新細明體"/>
+        <a:font script="Arab" typeface="Arial"/>
+        <a:font script="Hebr" typeface="Arial"/>
+        <a:font script="Thai" typeface="Cordia New"/>
+        <a:font script="Ethi" typeface="Nyala"/>
+        <a:font script="Beng" typeface="Vrinda"/>
+        <a:font script="Gujr" typeface="Shruti"/>
+        <a:font script="Khmr" typeface="DaunPenh"/>
+        <a:font script="Knda" typeface="Tunga"/>
+        <a:font script="Guru" typeface="Raavi"/>
+        <a:font script="Cans" typeface="Euphemia"/>
+        <a:font script="Cher" typeface="Plantagenet Cherokee"/>
+        <a:font script="Yiii" typeface="Microsoft Yi Baiti"/>
+        <a:font script="Tibt" typeface="Microsoft Himalaya"/>
+        <a:font script="Thaa" typeface="MV Boli"/>
+        <a:font script="Deva" typeface="Mangal"/>
+        <a:font script="Telu" typeface="Gautami"/>
+        <a:font script="Taml" typeface="Latha"/>
+        <a:font script="Syrc" typeface="Estrangelo Edessa"/>
+        <a:font script="Orya" typeface="Kalinga"/>
+        <a:font script="Mlym" typeface="Kartika"/>
+        <a:font script="Laoo" typeface="DokChampa"/>
+        <a:font script="Sinh" typeface="Iskoola Pota"/>
+        <a:font script="Mong" typeface="Mongolian Baiti"/>
+        <a:font script="Viet" typeface="Arial"/>
+        <a:font script="Uigh" typeface="Microsoft Uighur"/>
+        <a:font script="Geor" typeface="Sylfaen"/>
+        <a:font script="Armn" typeface="Arial"/>
+        <a:font script="Bugi" typeface="Leelawadee UI"/>
+        <a:font script="Bopo" typeface="Microsoft JhengHei"/>
+        <a:font script="Java" typeface="Javanese Text"/>
+        <a:font script="Lisu" typeface="Segoe UI"/>
+        <a:font script="Mymr" typeface="Myanmar Text"/>
+        <a:font script="Nkoo" typeface="Ebrima"/>
+        <a:font script="Olck" typeface="Nirmala UI"/>
+        <a:font script="Osma" typeface="Ebrima"/>
+        <a:font script="Phag" typeface="Phagspa"/>
+        <a:font script="Syrn" typeface="Estrangelo Edessa"/>
+        <a:font script="Syrj" typeface="Estrangelo Edessa"/>
+        <a:font script="Syre" typeface="Estrangelo Edessa"/>
+        <a:font script="Sora" typeface="Nirmala UI"/>
+        <a:font script="Tale" typeface="Microsoft Tai Le"/>
+        <a:font script="Talu" typeface="Microsoft New Tai Lue"/>
+        <a:font script="Tfng" typeface="Ebrima"/>
+      </a:minorFont>
+    </a:fontScheme>
+    <a:fmtScheme name="Office">
+      <a:fillStyleLst>
+        <a:solidFill>
+          <a:schemeClr val="phClr"/>
+        </a:solidFill>
+        <a:gradFill rotWithShape="1">
+          <a:gsLst>
+            <a:gs pos="0">
+              <a:schemeClr val="phClr">
+                <a:lumMod val="110000"/>
+                <a:satMod val="105000"/>
+                <a:tint val="67000"/>
+              </a:schemeClr>
+            </a:gs>
+            <a:gs pos="50000">
+              <a:schemeClr val="phClr">
+                <a:lumMod val="105000"/>
+                <a:satMod val="103000"/>
+                <a:tint val="73000"/>
+              </a:schemeClr>
+            </a:gs>
+            <a:gs pos="100000">
+              <a:schemeClr val="phClr">
+                <a:lumMod val="105000"/>
+                <a:satMod val="109000"/>
+                <a:tint val="81000"/>
+              </a:schemeClr>
+            </a:gs>
+          </a:gsLst>
+          <a:lin ang="5400000" scaled="0"/>
+        </a:gradFill>
+        <a:gradFill rotWithShape="1">
+          <a:gsLst>
+            <a:gs pos="0">
+              <a:schemeClr val="phClr">
+                <a:satMod val="103000"/>
+                <a:lumMod val="102000"/>
+                <a:tint val="94000"/>
+              </a:schemeClr>
+            </a:gs>
+            <a:gs pos="50000">
+              <a:schemeClr val="phClr">
+                <a:satMod val="110000"/>
+                <a:lumMod val="100000"/>
+                <a:shade val="100000"/>
+              </a:schemeClr>
+            </a:gs>
+            <a:gs pos="100000">
+              <a:schemeClr val="phClr">
+                <a:lumMod val="99000"/>
+                <a:satMod val="120000"/>
+                <a:shade val="78000"/>
+              </a:schemeClr>
+            </a:gs>
+          </a:gsLst>
+          <a:lin ang="5400000" scaled="0"/>
+        </a:gradFill>
+      </a:fillStyleLst>
+      <a:lnStyleLst>
+        <a:ln w="6350" cap="flat" cmpd="sng" algn="ctr">
+          <a:solidFill>
+            <a:schemeClr val="phClr"/>
+          </a:solidFill>
+          <a:prstDash val="solid"/>
+          <a:miter lim="800000"/>
+        </a:ln>
+        <a:ln w="12700" cap="flat" cmpd="sng" algn="ctr">
+          <a:solidFill>
+            <a:schemeClr val="phClr"/>
+          </a:solidFill>
+          <a:prstDash val="solid"/>
+          <a:miter lim="800000"/>
+        </a:ln>
+        <a:ln w="19050" cap="flat" cmpd="sng" algn="ctr">
+          <a:solidFill>
+            <a:schemeClr val="phClr"/>
+          </a:solidFill>
+          <a:prstDash val="solid"/>
+          <a:miter lim="800000"/>
+        </a:ln>
+      </a:lnStyleLst>
+      <a:effectStyleLst>
+        <a:effectStyle>
+          <a:effectLst/>
+        </a:effectStyle>
+        <a:effectStyle>
+          <a:effectLst/>
+        </a:effectStyle>
+        <a:effectStyle>
+          <a:effectLst>
+            <a:outerShdw blurRad="57150" dist="19050" dir="5400000" algn="ctr" rotWithShape="0">
+              <a:srgbClr val="000000">
+                <a:alpha val="63000"/>
+              </a:srgbClr>
+            </a:outerShdw>
+          </a:effectLst>
+        </a:effectStyle>
+      </a:effectStyleLst>
+      <a:bgFillStyleLst>
+        <a:solidFill>
+          <a:schemeClr val="phClr"/>
+        </a:solidFill>
+        <a:solidFill>
+          <a:schemeClr val="phClr">
+            <a:tint val="95000"/>
+            <a:satMod val="170000"/>
+          </a:schemeClr>
+        </a:solidFill>
+        <a:gradFill rotWithShape="1">
+          <a:gsLst>
+            <a:gs pos="0">
+              <a:schemeClr val="phClr">
+                <a:tint val="93000"/>
+                <a:satMod val="150000"/>
+                <a:shade val="98000"/>
+                <a:lumMod val="102000"/>
+              </a:schemeClr>
+            </a:gs>
+            <a:gs pos="50000">
+              <a:schemeClr val="phClr">
+                <a:tint val="98000"/>
+                <a:satMod val="130000"/>
+                <a:shade val="90000"/>
+                <a:lumMod val="103000"/>
+              </a:schemeClr>
+            </a:gs>
+            <a:gs pos="100000">
+              <a:schemeClr val="phClr">
+                <a:shade val="63000"/>
+                <a:satMod val="120000"/>
+              </a:schemeClr>
+            </a:gs>
+          </a:gsLst>
+          <a:lin ang="5400000" scaled="0"/>
+        </a:gradFill>
+      </a:bgFillStyleLst>
+    </a:fmtScheme>
+  </a:themeElements>
+  <a:objectDefaults/>
+  <a:extraClrSchemeLst/>
+  <a:extLst>
+    <a:ext uri="{05A4C25C-085E-4340-85A3-A5531E510DB2}">
+      <thm15:themeFamily xmlns:thm15="http://schemas.microsoft.com/office/thememl/2012/main" name="Office Theme" id="{62F939B6-93AF-4DB8-9C6B-D6C7DFDC589F}" vid="{4A3C46E8-61CC-4603-A589-7422A47A8E4A}"/>
+    </a:ext>
+  </a:extLst>
+</a:theme>
 </file>
--- a/N-Queens Problem Complexidade.pptx
+++ b/N-Queens Problem Complexidade.pptx
@@ -5,7 +5,7 @@
     <p:sldMasterId id="2147483660" r:id="rId1"/>
   </p:sldMasterIdLst>
   <p:notesMasterIdLst>
-    <p:notesMasterId r:id="rId10"/>
+    <p:notesMasterId r:id="rId13"/>
   </p:notesMasterIdLst>
   <p:sldIdLst>
     <p:sldId id="263" r:id="rId2"/>
@@ -15,7 +15,10 @@
     <p:sldId id="261" r:id="rId6"/>
     <p:sldId id="264" r:id="rId7"/>
     <p:sldId id="265" r:id="rId8"/>
-    <p:sldId id="262" r:id="rId9"/>
+    <p:sldId id="267" r:id="rId9"/>
+    <p:sldId id="266" r:id="rId10"/>
+    <p:sldId id="268" r:id="rId11"/>
+    <p:sldId id="262" r:id="rId12"/>
   </p:sldIdLst>
   <p:sldSz cx="12192000" cy="6858000"/>
   <p:notesSz cx="6858000" cy="9144000"/>
@@ -4219,21 +4222,13 @@
           <a:p>
             <a:r>
               <a:rPr lang="pt-BR" dirty="0"/>
-              <a:t>Adson Marques da silva esteves</a:t>
+              <a:t>Adson M. da silva esteves</a:t>
             </a:r>
           </a:p>
           <a:p>
             <a:r>
               <a:rPr lang="pt-BR" dirty="0"/>
-              <a:t>Alisson </a:t>
-            </a:r>
-            <a:r>
-              <a:rPr lang="pt-BR" dirty="0" err="1"/>
-              <a:t>steffens</a:t>
-            </a:r>
-            <a:r>
-              <a:rPr lang="pt-BR" dirty="0"/>
-              <a:t> Henrique</a:t>
+              <a:t>Alisson s. Henrique</a:t>
             </a:r>
           </a:p>
           <a:p>
@@ -4323,6 +4318,581 @@
   <p:clrMapOvr>
     <a:masterClrMapping/>
   </p:clrMapOvr>
+</p:sld>
+</file>
+
+<file path=ppt/slides/slide10.xml><?xml version="1.0" encoding="utf-8"?>
+<p:sld xmlns:a="http://schemas.openxmlformats.org/drawingml/2006/main" xmlns:r="http://schemas.openxmlformats.org/officeDocument/2006/relationships" xmlns:p="http://schemas.openxmlformats.org/presentationml/2006/main">
+  <p:cSld>
+    <p:spTree>
+      <p:nvGrpSpPr>
+        <p:cNvPr id="1" name=""/>
+        <p:cNvGrpSpPr/>
+        <p:nvPr/>
+      </p:nvGrpSpPr>
+      <p:grpSpPr>
+        <a:xfrm>
+          <a:off x="0" y="0"/>
+          <a:ext cx="0" cy="0"/>
+          <a:chOff x="0" y="0"/>
+          <a:chExt cx="0" cy="0"/>
+        </a:xfrm>
+      </p:grpSpPr>
+      <p:sp useBgFill="1">
+        <p:nvSpPr>
+          <p:cNvPr id="32" name="Rectangle 31"/>
+          <p:cNvSpPr>
+            <a:spLocks noGrp="1" noRot="1" noChangeAspect="1" noMove="1" noResize="1" noEditPoints="1" noAdjustHandles="1" noChangeArrowheads="1" noChangeShapeType="1" noTextEdit="1"/>
+          </p:cNvSpPr>
+          <p:nvPr>
+            <p:extLst>
+              <p:ext uri="{386F3935-93C4-4BCD-93E2-E3B085C9AB24}">
+                <p16:designElem xmlns:p16="http://schemas.microsoft.com/office/powerpoint/2015/main" val="1"/>
+              </p:ext>
+            </p:extLst>
+          </p:nvPr>
+        </p:nvSpPr>
+        <p:spPr>
+          <a:xfrm>
+            <a:off x="0" y="0"/>
+            <a:ext cx="12192001" cy="6334316"/>
+          </a:xfrm>
+          <a:prstGeom prst="rect">
+            <a:avLst/>
+          </a:prstGeom>
+          <a:ln>
+            <a:noFill/>
+          </a:ln>
+        </p:spPr>
+        <p:style>
+          <a:lnRef idx="2">
+            <a:schemeClr val="accent1">
+              <a:shade val="50000"/>
+            </a:schemeClr>
+          </a:lnRef>
+          <a:fillRef idx="1">
+            <a:schemeClr val="accent1"/>
+          </a:fillRef>
+          <a:effectRef idx="0">
+            <a:schemeClr val="accent1"/>
+          </a:effectRef>
+          <a:fontRef idx="minor">
+            <a:schemeClr val="lt1"/>
+          </a:fontRef>
+        </p:style>
+        <p:txBody>
+          <a:bodyPr rtlCol="0" anchor="ctr"/>
+          <a:lstStyle/>
+          <a:p>
+            <a:pPr algn="ctr"/>
+            <a:endParaRPr lang="en-US"/>
+          </a:p>
+        </p:txBody>
+      </p:sp>
+      <p:sp>
+        <p:nvSpPr>
+          <p:cNvPr id="34" name="Rectangle 33"/>
+          <p:cNvSpPr>
+            <a:spLocks noGrp="1" noRot="1" noChangeAspect="1" noMove="1" noResize="1" noEditPoints="1" noAdjustHandles="1" noChangeArrowheads="1" noChangeShapeType="1" noTextEdit="1"/>
+          </p:cNvSpPr>
+          <p:nvPr>
+            <p:extLst>
+              <p:ext uri="{386F3935-93C4-4BCD-93E2-E3B085C9AB24}">
+                <p16:designElem xmlns:p16="http://schemas.microsoft.com/office/powerpoint/2015/main" val="1"/>
+              </p:ext>
+            </p:extLst>
+          </p:nvPr>
+        </p:nvSpPr>
+        <p:spPr>
+          <a:xfrm>
+            <a:off x="1" y="6400800"/>
+            <a:ext cx="12192000" cy="457200"/>
+          </a:xfrm>
+          <a:prstGeom prst="rect">
+            <a:avLst/>
+          </a:prstGeom>
+          <a:solidFill>
+            <a:schemeClr val="accent2"/>
+          </a:solidFill>
+          <a:ln>
+            <a:noFill/>
+          </a:ln>
+        </p:spPr>
+        <p:style>
+          <a:lnRef idx="2">
+            <a:schemeClr val="accent1">
+              <a:shade val="50000"/>
+            </a:schemeClr>
+          </a:lnRef>
+          <a:fillRef idx="1">
+            <a:schemeClr val="accent1"/>
+          </a:fillRef>
+          <a:effectRef idx="0">
+            <a:schemeClr val="accent1"/>
+          </a:effectRef>
+          <a:fontRef idx="minor">
+            <a:schemeClr val="lt1"/>
+          </a:fontRef>
+        </p:style>
+      </p:sp>
+      <p:sp>
+        <p:nvSpPr>
+          <p:cNvPr id="36" name="Rectangle 35"/>
+          <p:cNvSpPr>
+            <a:spLocks noGrp="1" noRot="1" noChangeAspect="1" noMove="1" noResize="1" noEditPoints="1" noAdjustHandles="1" noChangeArrowheads="1" noChangeShapeType="1" noTextEdit="1"/>
+          </p:cNvSpPr>
+          <p:nvPr>
+            <p:extLst>
+              <p:ext uri="{386F3935-93C4-4BCD-93E2-E3B085C9AB24}">
+                <p16:designElem xmlns:p16="http://schemas.microsoft.com/office/powerpoint/2015/main" val="1"/>
+              </p:ext>
+            </p:extLst>
+          </p:nvPr>
+        </p:nvSpPr>
+        <p:spPr>
+          <a:xfrm>
+            <a:off x="15" y="6334316"/>
+            <a:ext cx="12191985" cy="66484"/>
+          </a:xfrm>
+          <a:prstGeom prst="rect">
+            <a:avLst/>
+          </a:prstGeom>
+          <a:solidFill>
+            <a:schemeClr val="accent1"/>
+          </a:solidFill>
+          <a:ln>
+            <a:noFill/>
+          </a:ln>
+        </p:spPr>
+        <p:style>
+          <a:lnRef idx="2">
+            <a:schemeClr val="accent1">
+              <a:shade val="50000"/>
+            </a:schemeClr>
+          </a:lnRef>
+          <a:fillRef idx="1">
+            <a:schemeClr val="accent1"/>
+          </a:fillRef>
+          <a:effectRef idx="0">
+            <a:schemeClr val="accent1"/>
+          </a:effectRef>
+          <a:fontRef idx="minor">
+            <a:schemeClr val="lt1"/>
+          </a:fontRef>
+        </p:style>
+      </p:sp>
+      <p:cxnSp>
+        <p:nvCxnSpPr>
+          <p:cNvPr id="38" name="Straight Connector 37"/>
+          <p:cNvCxnSpPr>
+            <a:cxnSpLocks noGrp="1" noRot="1" noChangeAspect="1" noMove="1" noResize="1" noEditPoints="1" noAdjustHandles="1" noChangeArrowheads="1" noChangeShapeType="1"/>
+          </p:cNvCxnSpPr>
+          <p:nvPr>
+            <p:extLst>
+              <p:ext uri="{386F3935-93C4-4BCD-93E2-E3B085C9AB24}">
+                <p16:designElem xmlns:p16="http://schemas.microsoft.com/office/powerpoint/2015/main" val="1"/>
+              </p:ext>
+            </p:extLst>
+          </p:nvPr>
+        </p:nvCxnSpPr>
+        <p:spPr>
+          <a:xfrm>
+            <a:off x="7892143" y="2085703"/>
+            <a:ext cx="3566160" cy="0"/>
+          </a:xfrm>
+          <a:prstGeom prst="line">
+            <a:avLst/>
+          </a:prstGeom>
+          <a:ln w="6350">
+            <a:solidFill>
+              <a:schemeClr val="tx1">
+                <a:lumMod val="50000"/>
+                <a:lumOff val="50000"/>
+                <a:alpha val="90000"/>
+              </a:schemeClr>
+            </a:solidFill>
+          </a:ln>
+        </p:spPr>
+        <p:style>
+          <a:lnRef idx="1">
+            <a:schemeClr val="accent1"/>
+          </a:lnRef>
+          <a:fillRef idx="0">
+            <a:schemeClr val="accent1"/>
+          </a:fillRef>
+          <a:effectRef idx="0">
+            <a:schemeClr val="accent1"/>
+          </a:effectRef>
+          <a:fontRef idx="minor">
+            <a:schemeClr val="tx1"/>
+          </a:fontRef>
+        </p:style>
+      </p:cxnSp>
+      <p:sp>
+        <p:nvSpPr>
+          <p:cNvPr id="2" name="Título 1"/>
+          <p:cNvSpPr>
+            <a:spLocks noGrp="1"/>
+          </p:cNvSpPr>
+          <p:nvPr>
+            <p:ph type="title"/>
+          </p:nvPr>
+        </p:nvSpPr>
+        <p:spPr>
+          <a:xfrm>
+            <a:off x="7859485" y="634946"/>
+            <a:ext cx="3690257" cy="1450757"/>
+          </a:xfrm>
+        </p:spPr>
+        <p:txBody>
+          <a:bodyPr>
+            <a:normAutofit/>
+          </a:bodyPr>
+          <a:lstStyle/>
+          <a:p>
+            <a:r>
+              <a:rPr lang="pt-BR" sz="4000"/>
+              <a:t>Problematização</a:t>
+            </a:r>
+            <a:endParaRPr lang="pt-BR" sz="4000" dirty="0"/>
+          </a:p>
+        </p:txBody>
+      </p:sp>
+      <p:sp>
+        <p:nvSpPr>
+          <p:cNvPr id="3" name="Espaço Reservado para Conteúdo 2"/>
+          <p:cNvSpPr>
+            <a:spLocks noGrp="1"/>
+          </p:cNvSpPr>
+          <p:nvPr>
+            <p:ph idx="1"/>
+          </p:nvPr>
+        </p:nvSpPr>
+        <p:spPr>
+          <a:xfrm>
+            <a:off x="7859485" y="2198914"/>
+            <a:ext cx="4084865" cy="3670180"/>
+          </a:xfrm>
+        </p:spPr>
+        <p:txBody>
+          <a:bodyPr>
+            <a:normAutofit/>
+          </a:bodyPr>
+          <a:lstStyle/>
+          <a:p>
+            <a:pPr lvl="1">
+              <a:buFont typeface="Arial" panose="020B0604020202020204" pitchFamily="34" charset="0"/>
+              <a:buChar char="•"/>
+            </a:pPr>
+            <a:r>
+              <a:rPr lang="pt-BR" dirty="0"/>
+              <a:t>Polinomial  e Exponencial</a:t>
+            </a:r>
+          </a:p>
+        </p:txBody>
+      </p:sp>
+      <p:sp>
+        <p:nvSpPr>
+          <p:cNvPr id="7" name="Espaço Reservado para Número de Slide 6"/>
+          <p:cNvSpPr>
+            <a:spLocks noGrp="1"/>
+          </p:cNvSpPr>
+          <p:nvPr>
+            <p:ph type="sldNum" sz="quarter" idx="12"/>
+          </p:nvPr>
+        </p:nvSpPr>
+        <p:spPr>
+          <a:xfrm>
+            <a:off x="9900458" y="6459785"/>
+            <a:ext cx="1312025" cy="365125"/>
+          </a:xfrm>
+        </p:spPr>
+        <p:txBody>
+          <a:bodyPr/>
+          <a:lstStyle/>
+          <a:p>
+            <a:fld id="{15B97A44-E15A-45A7-B338-28DB75C4FCAC}" type="slidenum">
+              <a:rPr lang="pt-BR" smtClean="0"/>
+              <a:t>10</a:t>
+            </a:fld>
+            <a:endParaRPr lang="pt-BR"/>
+          </a:p>
+        </p:txBody>
+      </p:sp>
+      <p:pic>
+        <p:nvPicPr>
+          <p:cNvPr id="12" name="Picture 2" descr="http://www.clker.com/cliparts/3/2/8/3/122054664916136449portablejim_Chess_tile_-_Queen_1.svg.hi.png"/>
+          <p:cNvPicPr>
+            <a:picLocks noChangeAspect="1" noChangeArrowheads="1"/>
+          </p:cNvPicPr>
+          <p:nvPr/>
+        </p:nvPicPr>
+        <p:blipFill>
+          <a:blip r:embed="rId2">
+            <a:extLst>
+              <a:ext uri="{28A0092B-C50C-407E-A947-70E740481C1C}">
+                <a14:useLocalDpi xmlns:a14="http://schemas.microsoft.com/office/drawing/2010/main" val="0"/>
+              </a:ext>
+            </a:extLst>
+          </a:blip>
+          <a:srcRect/>
+          <a:stretch>
+            <a:fillRect/>
+          </a:stretch>
+        </p:blipFill>
+        <p:spPr bwMode="auto">
+          <a:xfrm>
+            <a:off x="10794512" y="6032253"/>
+            <a:ext cx="555184" cy="520948"/>
+          </a:xfrm>
+          <a:prstGeom prst="rect">
+            <a:avLst/>
+          </a:prstGeom>
+          <a:noFill/>
+          <a:extLst>
+            <a:ext uri="{909E8E84-426E-40DD-AFC4-6F175D3DCCD1}">
+              <a14:hiddenFill xmlns:a14="http://schemas.microsoft.com/office/drawing/2010/main">
+                <a:solidFill>
+                  <a:srgbClr val="FFFFFF"/>
+                </a:solidFill>
+              </a14:hiddenFill>
+            </a:ext>
+          </a:extLst>
+        </p:spPr>
+      </p:pic>
+      <p:pic>
+        <p:nvPicPr>
+          <p:cNvPr id="11" name="Content Placeholder 5"/>
+          <p:cNvPicPr>
+            <a:picLocks noChangeAspect="1"/>
+          </p:cNvPicPr>
+          <p:nvPr/>
+        </p:nvPicPr>
+        <p:blipFill rotWithShape="1">
+          <a:blip r:embed="rId3">
+            <a:extLst>
+              <a:ext uri="{28A0092B-C50C-407E-A947-70E740481C1C}">
+                <a14:useLocalDpi xmlns:a14="http://schemas.microsoft.com/office/drawing/2010/main" val="0"/>
+              </a:ext>
+            </a:extLst>
+          </a:blip>
+          <a:srcRect l="963" t="1253" r="561" b="1512"/>
+          <a:stretch/>
+        </p:blipFill>
+        <p:spPr>
+          <a:xfrm>
+            <a:off x="310101" y="492981"/>
+            <a:ext cx="7530806" cy="5384135"/>
+          </a:xfrm>
+          <a:prstGeom prst="rect">
+            <a:avLst/>
+          </a:prstGeom>
+        </p:spPr>
+      </p:pic>
+    </p:spTree>
+    <p:extLst>
+      <p:ext uri="{BB962C8B-B14F-4D97-AF65-F5344CB8AC3E}">
+        <p14:creationId xmlns:p14="http://schemas.microsoft.com/office/powerpoint/2010/main" val="2217241538"/>
+      </p:ext>
+    </p:extLst>
+  </p:cSld>
+  <p:clrMapOvr>
+    <a:masterClrMapping/>
+  </p:clrMapOvr>
+  <mc:AlternateContent xmlns:mc="http://schemas.openxmlformats.org/markup-compatibility/2006">
+    <mc:Choice xmlns:p159="http://schemas.microsoft.com/office/powerpoint/2015/09/main" Requires="p159">
+      <p:transition>
+        <p159:morph option="byObject"/>
+      </p:transition>
+    </mc:Choice>
+    <mc:Fallback>
+      <p:transition>
+        <p:fade/>
+      </p:transition>
+    </mc:Fallback>
+  </mc:AlternateContent>
+</p:sld>
+</file>
+
+<file path=ppt/slides/slide11.xml><?xml version="1.0" encoding="utf-8"?>
+<p:sld xmlns:a="http://schemas.openxmlformats.org/drawingml/2006/main" xmlns:r="http://schemas.openxmlformats.org/officeDocument/2006/relationships" xmlns:p="http://schemas.openxmlformats.org/presentationml/2006/main">
+  <p:cSld>
+    <p:spTree>
+      <p:nvGrpSpPr>
+        <p:cNvPr id="1" name=""/>
+        <p:cNvGrpSpPr/>
+        <p:nvPr/>
+      </p:nvGrpSpPr>
+      <p:grpSpPr>
+        <a:xfrm>
+          <a:off x="0" y="0"/>
+          <a:ext cx="0" cy="0"/>
+          <a:chOff x="0" y="0"/>
+          <a:chExt cx="0" cy="0"/>
+        </a:xfrm>
+      </p:grpSpPr>
+      <p:sp>
+        <p:nvSpPr>
+          <p:cNvPr id="2" name="Título 1"/>
+          <p:cNvSpPr>
+            <a:spLocks noGrp="1"/>
+          </p:cNvSpPr>
+          <p:nvPr>
+            <p:ph type="ctrTitle"/>
+          </p:nvPr>
+        </p:nvSpPr>
+        <p:spPr/>
+        <p:txBody>
+          <a:bodyPr/>
+          <a:lstStyle/>
+          <a:p>
+            <a:r>
+              <a:rPr lang="pt-BR" dirty="0"/>
+              <a:t>N-Queens </a:t>
+            </a:r>
+            <a:r>
+              <a:rPr lang="pt-BR" dirty="0" err="1"/>
+              <a:t>Problem</a:t>
+            </a:r>
+            <a:endParaRPr lang="pt-BR" dirty="0"/>
+          </a:p>
+        </p:txBody>
+      </p:sp>
+      <p:sp>
+        <p:nvSpPr>
+          <p:cNvPr id="3" name="Subtítulo 2"/>
+          <p:cNvSpPr>
+            <a:spLocks noGrp="1"/>
+          </p:cNvSpPr>
+          <p:nvPr>
+            <p:ph type="subTitle" idx="1"/>
+          </p:nvPr>
+        </p:nvSpPr>
+        <p:spPr/>
+        <p:txBody>
+          <a:bodyPr>
+            <a:normAutofit fontScale="85000" lnSpcReduction="20000"/>
+          </a:bodyPr>
+          <a:lstStyle/>
+          <a:p>
+            <a:r>
+              <a:rPr lang="pt-BR" dirty="0"/>
+              <a:t>Adson Marques da silva esteves</a:t>
+            </a:r>
+          </a:p>
+          <a:p>
+            <a:r>
+              <a:rPr lang="pt-BR" dirty="0"/>
+              <a:t>Alisson </a:t>
+            </a:r>
+            <a:r>
+              <a:rPr lang="pt-BR" dirty="0" err="1"/>
+              <a:t>steffens</a:t>
+            </a:r>
+            <a:r>
+              <a:rPr lang="pt-BR" dirty="0"/>
+              <a:t> Henrique</a:t>
+            </a:r>
+          </a:p>
+          <a:p>
+            <a:r>
+              <a:rPr lang="pt-BR" dirty="0"/>
+              <a:t>Augusto C. </a:t>
+            </a:r>
+            <a:r>
+              <a:rPr lang="pt-BR" dirty="0" err="1"/>
+              <a:t>Pluschkat</a:t>
+            </a:r>
+            <a:endParaRPr lang="pt-BR" dirty="0"/>
+          </a:p>
+        </p:txBody>
+      </p:sp>
+      <p:pic>
+        <p:nvPicPr>
+          <p:cNvPr id="2050" name="Picture 2" descr="http://www.clker.com/cliparts/3/2/8/3/122054664916136449portablejim_Chess_tile_-_Queen_1.svg.hi.png"/>
+          <p:cNvPicPr>
+            <a:picLocks noChangeAspect="1" noChangeArrowheads="1"/>
+          </p:cNvPicPr>
+          <p:nvPr/>
+        </p:nvPicPr>
+        <p:blipFill>
+          <a:blip r:embed="rId2">
+            <a:extLst>
+              <a:ext uri="{28A0092B-C50C-407E-A947-70E740481C1C}">
+                <a14:useLocalDpi xmlns:a14="http://schemas.microsoft.com/office/drawing/2010/main" val="0"/>
+              </a:ext>
+            </a:extLst>
+          </a:blip>
+          <a:srcRect/>
+          <a:stretch>
+            <a:fillRect/>
+          </a:stretch>
+        </p:blipFill>
+        <p:spPr bwMode="auto">
+          <a:xfrm>
+            <a:off x="9020856" y="3007112"/>
+            <a:ext cx="1178220" cy="1105563"/>
+          </a:xfrm>
+          <a:prstGeom prst="rect">
+            <a:avLst/>
+          </a:prstGeom>
+          <a:noFill/>
+          <a:extLst>
+            <a:ext uri="{909E8E84-426E-40DD-AFC4-6F175D3DCCD1}">
+              <a14:hiddenFill xmlns:a14="http://schemas.microsoft.com/office/drawing/2010/main">
+                <a:solidFill>
+                  <a:srgbClr val="FFFFFF"/>
+                </a:solidFill>
+              </a14:hiddenFill>
+            </a:ext>
+          </a:extLst>
+        </p:spPr>
+      </p:pic>
+      <p:sp>
+        <p:nvSpPr>
+          <p:cNvPr id="4" name="Espaço Reservado para Número de Slide 3"/>
+          <p:cNvSpPr>
+            <a:spLocks noGrp="1"/>
+          </p:cNvSpPr>
+          <p:nvPr>
+            <p:ph type="sldNum" sz="quarter" idx="12"/>
+          </p:nvPr>
+        </p:nvSpPr>
+        <p:spPr/>
+        <p:txBody>
+          <a:bodyPr/>
+          <a:lstStyle/>
+          <a:p>
+            <a:fld id="{15B97A44-E15A-45A7-B338-28DB75C4FCAC}" type="slidenum">
+              <a:rPr lang="pt-BR" smtClean="0"/>
+              <a:t>11</a:t>
+            </a:fld>
+            <a:endParaRPr lang="pt-BR"/>
+          </a:p>
+        </p:txBody>
+      </p:sp>
+    </p:spTree>
+    <p:extLst>
+      <p:ext uri="{BB962C8B-B14F-4D97-AF65-F5344CB8AC3E}">
+        <p14:creationId xmlns:p14="http://schemas.microsoft.com/office/powerpoint/2010/main" val="4003636474"/>
+      </p:ext>
+    </p:extLst>
+  </p:cSld>
+  <p:clrMapOvr>
+    <a:masterClrMapping/>
+  </p:clrMapOvr>
+  <mc:AlternateContent xmlns:mc="http://schemas.openxmlformats.org/markup-compatibility/2006" xmlns:p159="http://schemas.microsoft.com/office/powerpoint/2015/09/main">
+    <mc:Choice Requires="p159">
+      <p:transition>
+        <p159:morph option="byObject"/>
+      </p:transition>
+    </mc:Choice>
+    <mc:Fallback xmlns="">
+      <p:transition>
+        <p:fade/>
+      </p:transition>
+    </mc:Fallback>
+  </mc:AlternateContent>
 </p:sld>
 </file>
 
@@ -4508,13 +5078,13 @@
   <p:clrMapOvr>
     <a:masterClrMapping/>
   </p:clrMapOvr>
-  <mc:AlternateContent xmlns:mc="http://schemas.openxmlformats.org/markup-compatibility/2006">
-    <mc:Choice xmlns:p159="http://schemas.microsoft.com/office/powerpoint/2015/09/main" Requires="p159">
+  <mc:AlternateContent xmlns:mc="http://schemas.openxmlformats.org/markup-compatibility/2006" xmlns:p159="http://schemas.microsoft.com/office/powerpoint/2015/09/main">
+    <mc:Choice Requires="p159">
       <p:transition>
         <p159:morph option="byObject"/>
       </p:transition>
     </mc:Choice>
-    <mc:Fallback>
+    <mc:Fallback xmlns="">
       <p:transition>
         <p:fade/>
       </p:transition>
@@ -4588,12 +5158,8 @@
               <a:buChar char="•"/>
             </a:pPr>
             <a:r>
-              <a:rPr lang="pt-BR"/>
-              <a:t>Busca local </a:t>
-            </a:r>
-            <a:r>
               <a:rPr lang="pt-BR" dirty="0"/>
-              <a:t>de conflito mínimo</a:t>
+              <a:t>Heurística de conflito mínimo</a:t>
             </a:r>
           </a:p>
           <a:p>
@@ -4610,7 +5176,7 @@
             </a:pPr>
             <a:r>
               <a:rPr lang="pt-BR" dirty="0"/>
-              <a:t>n de 5 a 500</a:t>
+              <a:t>N de 5 a 500</a:t>
             </a:r>
           </a:p>
           <a:p>
@@ -4736,13 +5302,13 @@
   <p:clrMapOvr>
     <a:masterClrMapping/>
   </p:clrMapOvr>
-  <mc:AlternateContent xmlns:mc="http://schemas.openxmlformats.org/markup-compatibility/2006">
-    <mc:Choice xmlns:p159="http://schemas.microsoft.com/office/powerpoint/2015/09/main" Requires="p159">
+  <mc:AlternateContent xmlns:mc="http://schemas.openxmlformats.org/markup-compatibility/2006" xmlns:p159="http://schemas.microsoft.com/office/powerpoint/2015/09/main">
+    <mc:Choice Requires="p159">
       <p:transition>
         <p159:morph option="byObject"/>
       </p:transition>
     </mc:Choice>
-    <mc:Fallback>
+    <mc:Fallback xmlns="">
       <p:transition>
         <p:fade/>
       </p:transition>
@@ -5123,13 +5689,13 @@
   <p:clrMapOvr>
     <a:masterClrMapping/>
   </p:clrMapOvr>
-  <mc:AlternateContent xmlns:mc="http://schemas.openxmlformats.org/markup-compatibility/2006">
-    <mc:Choice xmlns:p159="http://schemas.microsoft.com/office/powerpoint/2015/09/main" Requires="p159">
+  <mc:AlternateContent xmlns:mc="http://schemas.openxmlformats.org/markup-compatibility/2006" xmlns:p159="http://schemas.microsoft.com/office/powerpoint/2015/09/main">
+    <mc:Choice Requires="p159">
       <p:transition>
         <p159:morph option="byObject"/>
       </p:transition>
     </mc:Choice>
-    <mc:Fallback>
+    <mc:Fallback xmlns="">
       <p:transition>
         <p:fade/>
       </p:transition>
@@ -5492,6 +6058,27 @@
               <a:t>1.740 </a:t>
             </a:r>
           </a:p>
+          <a:p>
+            <a:pPr lvl="1">
+              <a:buFont typeface="Arial" panose="020B0604020202020204" pitchFamily="34" charset="0"/>
+              <a:buChar char="•"/>
+            </a:pPr>
+            <a:r>
+              <a:rPr lang="pt-BR" dirty="0" err="1"/>
+              <a:t>Intercept</a:t>
+            </a:r>
+            <a:r>
+              <a:rPr lang="pt-BR" dirty="0"/>
+              <a:t> = 1.435</a:t>
+            </a:r>
+          </a:p>
+          <a:p>
+            <a:pPr lvl="1">
+              <a:buFont typeface="Arial" panose="020B0604020202020204" pitchFamily="34" charset="0"/>
+              <a:buChar char="•"/>
+            </a:pPr>
+            <a:endParaRPr lang="pt-BR" baseline="30000" dirty="0"/>
+          </a:p>
         </p:txBody>
       </p:sp>
       <p:sp>
@@ -5568,13 +6155,13 @@
   <p:clrMapOvr>
     <a:masterClrMapping/>
   </p:clrMapOvr>
-  <mc:AlternateContent xmlns:mc="http://schemas.openxmlformats.org/markup-compatibility/2006">
-    <mc:Choice xmlns:p159="http://schemas.microsoft.com/office/powerpoint/2015/09/main" Requires="p159">
+  <mc:AlternateContent xmlns:mc="http://schemas.openxmlformats.org/markup-compatibility/2006" xmlns:p159="http://schemas.microsoft.com/office/powerpoint/2015/09/main">
+    <mc:Choice Requires="p159">
       <p:transition>
         <p159:morph option="byObject"/>
       </p:transition>
     </mc:Choice>
-    <mc:Fallback>
+    <mc:Fallback xmlns="">
       <p:transition>
         <p:fade/>
       </p:transition>
@@ -6027,13 +6614,13 @@
   <p:clrMapOvr>
     <a:masterClrMapping/>
   </p:clrMapOvr>
-  <mc:AlternateContent xmlns:mc="http://schemas.openxmlformats.org/markup-compatibility/2006">
-    <mc:Choice xmlns:p159="http://schemas.microsoft.com/office/powerpoint/2015/09/main" Requires="p159">
+  <mc:AlternateContent xmlns:mc="http://schemas.openxmlformats.org/markup-compatibility/2006" xmlns:p159="http://schemas.microsoft.com/office/powerpoint/2015/09/main">
+    <mc:Choice Requires="p159">
       <p:transition>
         <p159:morph option="byObject"/>
       </p:transition>
     </mc:Choice>
-    <mc:Fallback>
+    <mc:Fallback xmlns="">
       <p:transition>
         <p:fade/>
       </p:transition>
@@ -6322,64 +6909,14 @@
               <a:buChar char="•"/>
             </a:pPr>
             <a:r>
-              <a:rPr lang="pt-BR" dirty="0" err="1"/>
-              <a:t>lm</a:t>
-            </a:r>
-            <a:r>
-              <a:rPr lang="pt-BR" dirty="0"/>
-              <a:t>(log(</a:t>
-            </a:r>
-            <a:r>
-              <a:rPr lang="pt-BR" dirty="0" err="1"/>
-              <a:t>dados$Iteracoes</a:t>
-            </a:r>
-            <a:r>
-              <a:rPr lang="pt-BR" dirty="0"/>
-              <a:t>)~log(</a:t>
-            </a:r>
-            <a:r>
-              <a:rPr lang="pt-BR" dirty="0" err="1"/>
-              <a:t>dados$N</a:t>
-            </a:r>
-            <a:r>
-              <a:rPr lang="pt-BR" dirty="0"/>
-              <a:t>))</a:t>
-            </a:r>
-          </a:p>
-          <a:p>
-            <a:pPr lvl="1">
-              <a:buFont typeface="Arial" panose="020B0604020202020204" pitchFamily="34" charset="0"/>
-              <a:buChar char="•"/>
-            </a:pPr>
-            <a:endParaRPr lang="pt-BR" dirty="0"/>
-          </a:p>
-          <a:p>
-            <a:pPr lvl="1">
-              <a:buFont typeface="Arial" panose="020B0604020202020204" pitchFamily="34" charset="0"/>
-              <a:buChar char="•"/>
-            </a:pPr>
-            <a:r>
               <a:rPr lang="pt-BR" dirty="0"/>
               <a:t>y = n</a:t>
             </a:r>
             <a:r>
               <a:rPr lang="pt-BR" baseline="30000" dirty="0"/>
-              <a:t>2 </a:t>
-            </a:r>
-          </a:p>
-          <a:p>
-            <a:pPr lvl="1">
-              <a:buFont typeface="Arial" panose="020B0604020202020204" pitchFamily="34" charset="0"/>
-              <a:buChar char="•"/>
-            </a:pPr>
-            <a:r>
-              <a:rPr lang="pt-BR" dirty="0" err="1"/>
-              <a:t>Intercept</a:t>
-            </a:r>
-            <a:r>
-              <a:rPr lang="pt-BR" dirty="0"/>
-              <a:t> = 1.435</a:t>
-            </a:r>
+              <a:t>2</a:t>
+            </a:r>
+            <a:endParaRPr lang="pt-BR" dirty="0"/>
           </a:p>
         </p:txBody>
       </p:sp>
@@ -6486,13 +7023,13 @@
   <p:clrMapOvr>
     <a:masterClrMapping/>
   </p:clrMapOvr>
-  <mc:AlternateContent xmlns:mc="http://schemas.openxmlformats.org/markup-compatibility/2006">
-    <mc:Choice xmlns:p159="http://schemas.microsoft.com/office/powerpoint/2015/09/main" Requires="p159">
+  <mc:AlternateContent xmlns:mc="http://schemas.openxmlformats.org/markup-compatibility/2006" xmlns:p159="http://schemas.microsoft.com/office/powerpoint/2015/09/main">
+    <mc:Choice Requires="p159">
       <p:transition>
         <p159:morph option="byObject"/>
       </p:transition>
     </mc:Choice>
-    <mc:Fallback>
+    <mc:Fallback xmlns="">
       <p:transition>
         <p:fade/>
       </p:transition>
@@ -6518,6 +7055,196 @@
           <a:chExt cx="0" cy="0"/>
         </a:xfrm>
       </p:grpSpPr>
+      <p:sp useBgFill="1">
+        <p:nvSpPr>
+          <p:cNvPr id="32" name="Rectangle 31"/>
+          <p:cNvSpPr>
+            <a:spLocks noGrp="1" noRot="1" noChangeAspect="1" noMove="1" noResize="1" noEditPoints="1" noAdjustHandles="1" noChangeArrowheads="1" noChangeShapeType="1" noTextEdit="1"/>
+          </p:cNvSpPr>
+          <p:nvPr>
+            <p:extLst>
+              <p:ext uri="{386F3935-93C4-4BCD-93E2-E3B085C9AB24}">
+                <p16:designElem xmlns:p16="http://schemas.microsoft.com/office/powerpoint/2015/main" val="1"/>
+              </p:ext>
+            </p:extLst>
+          </p:nvPr>
+        </p:nvSpPr>
+        <p:spPr>
+          <a:xfrm>
+            <a:off x="0" y="0"/>
+            <a:ext cx="12192001" cy="6334316"/>
+          </a:xfrm>
+          <a:prstGeom prst="rect">
+            <a:avLst/>
+          </a:prstGeom>
+          <a:ln>
+            <a:noFill/>
+          </a:ln>
+        </p:spPr>
+        <p:style>
+          <a:lnRef idx="2">
+            <a:schemeClr val="accent1">
+              <a:shade val="50000"/>
+            </a:schemeClr>
+          </a:lnRef>
+          <a:fillRef idx="1">
+            <a:schemeClr val="accent1"/>
+          </a:fillRef>
+          <a:effectRef idx="0">
+            <a:schemeClr val="accent1"/>
+          </a:effectRef>
+          <a:fontRef idx="minor">
+            <a:schemeClr val="lt1"/>
+          </a:fontRef>
+        </p:style>
+        <p:txBody>
+          <a:bodyPr rtlCol="0" anchor="ctr"/>
+          <a:lstStyle/>
+          <a:p>
+            <a:pPr algn="ctr"/>
+            <a:endParaRPr lang="en-US"/>
+          </a:p>
+        </p:txBody>
+      </p:sp>
+      <p:sp>
+        <p:nvSpPr>
+          <p:cNvPr id="34" name="Rectangle 33"/>
+          <p:cNvSpPr>
+            <a:spLocks noGrp="1" noRot="1" noChangeAspect="1" noMove="1" noResize="1" noEditPoints="1" noAdjustHandles="1" noChangeArrowheads="1" noChangeShapeType="1" noTextEdit="1"/>
+          </p:cNvSpPr>
+          <p:nvPr>
+            <p:extLst>
+              <p:ext uri="{386F3935-93C4-4BCD-93E2-E3B085C9AB24}">
+                <p16:designElem xmlns:p16="http://schemas.microsoft.com/office/powerpoint/2015/main" val="1"/>
+              </p:ext>
+            </p:extLst>
+          </p:nvPr>
+        </p:nvSpPr>
+        <p:spPr>
+          <a:xfrm>
+            <a:off x="1" y="6400800"/>
+            <a:ext cx="12192000" cy="457200"/>
+          </a:xfrm>
+          <a:prstGeom prst="rect">
+            <a:avLst/>
+          </a:prstGeom>
+          <a:solidFill>
+            <a:schemeClr val="accent2"/>
+          </a:solidFill>
+          <a:ln>
+            <a:noFill/>
+          </a:ln>
+        </p:spPr>
+        <p:style>
+          <a:lnRef idx="2">
+            <a:schemeClr val="accent1">
+              <a:shade val="50000"/>
+            </a:schemeClr>
+          </a:lnRef>
+          <a:fillRef idx="1">
+            <a:schemeClr val="accent1"/>
+          </a:fillRef>
+          <a:effectRef idx="0">
+            <a:schemeClr val="accent1"/>
+          </a:effectRef>
+          <a:fontRef idx="minor">
+            <a:schemeClr val="lt1"/>
+          </a:fontRef>
+        </p:style>
+      </p:sp>
+      <p:sp>
+        <p:nvSpPr>
+          <p:cNvPr id="36" name="Rectangle 35"/>
+          <p:cNvSpPr>
+            <a:spLocks noGrp="1" noRot="1" noChangeAspect="1" noMove="1" noResize="1" noEditPoints="1" noAdjustHandles="1" noChangeArrowheads="1" noChangeShapeType="1" noTextEdit="1"/>
+          </p:cNvSpPr>
+          <p:nvPr>
+            <p:extLst>
+              <p:ext uri="{386F3935-93C4-4BCD-93E2-E3B085C9AB24}">
+                <p16:designElem xmlns:p16="http://schemas.microsoft.com/office/powerpoint/2015/main" val="1"/>
+              </p:ext>
+            </p:extLst>
+          </p:nvPr>
+        </p:nvSpPr>
+        <p:spPr>
+          <a:xfrm>
+            <a:off x="15" y="6334316"/>
+            <a:ext cx="12191985" cy="66484"/>
+          </a:xfrm>
+          <a:prstGeom prst="rect">
+            <a:avLst/>
+          </a:prstGeom>
+          <a:solidFill>
+            <a:schemeClr val="accent1"/>
+          </a:solidFill>
+          <a:ln>
+            <a:noFill/>
+          </a:ln>
+        </p:spPr>
+        <p:style>
+          <a:lnRef idx="2">
+            <a:schemeClr val="accent1">
+              <a:shade val="50000"/>
+            </a:schemeClr>
+          </a:lnRef>
+          <a:fillRef idx="1">
+            <a:schemeClr val="accent1"/>
+          </a:fillRef>
+          <a:effectRef idx="0">
+            <a:schemeClr val="accent1"/>
+          </a:effectRef>
+          <a:fontRef idx="minor">
+            <a:schemeClr val="lt1"/>
+          </a:fontRef>
+        </p:style>
+      </p:sp>
+      <p:cxnSp>
+        <p:nvCxnSpPr>
+          <p:cNvPr id="38" name="Straight Connector 37"/>
+          <p:cNvCxnSpPr>
+            <a:cxnSpLocks noGrp="1" noRot="1" noChangeAspect="1" noMove="1" noResize="1" noEditPoints="1" noAdjustHandles="1" noChangeArrowheads="1" noChangeShapeType="1"/>
+          </p:cNvCxnSpPr>
+          <p:nvPr>
+            <p:extLst>
+              <p:ext uri="{386F3935-93C4-4BCD-93E2-E3B085C9AB24}">
+                <p16:designElem xmlns:p16="http://schemas.microsoft.com/office/powerpoint/2015/main" val="1"/>
+              </p:ext>
+            </p:extLst>
+          </p:nvPr>
+        </p:nvCxnSpPr>
+        <p:spPr>
+          <a:xfrm>
+            <a:off x="7892143" y="2085703"/>
+            <a:ext cx="3566160" cy="0"/>
+          </a:xfrm>
+          <a:prstGeom prst="line">
+            <a:avLst/>
+          </a:prstGeom>
+          <a:ln w="6350">
+            <a:solidFill>
+              <a:schemeClr val="tx1">
+                <a:lumMod val="50000"/>
+                <a:lumOff val="50000"/>
+                <a:alpha val="90000"/>
+              </a:schemeClr>
+            </a:solidFill>
+          </a:ln>
+        </p:spPr>
+        <p:style>
+          <a:lnRef idx="1">
+            <a:schemeClr val="accent1"/>
+          </a:lnRef>
+          <a:fillRef idx="0">
+            <a:schemeClr val="accent1"/>
+          </a:fillRef>
+          <a:effectRef idx="0">
+            <a:schemeClr val="accent1"/>
+          </a:effectRef>
+          <a:fontRef idx="minor">
+            <a:schemeClr val="tx1"/>
+          </a:fontRef>
+        </p:style>
+      </p:cxnSp>
       <p:sp>
         <p:nvSpPr>
           <p:cNvPr id="2" name="Título 1"/>
@@ -6525,7 +7252,91 @@
             <a:spLocks noGrp="1"/>
           </p:cNvSpPr>
           <p:nvPr>
-            <p:ph type="ctrTitle"/>
+            <p:ph type="title"/>
+          </p:nvPr>
+        </p:nvSpPr>
+        <p:spPr>
+          <a:xfrm>
+            <a:off x="7859485" y="634946"/>
+            <a:ext cx="3690257" cy="1450757"/>
+          </a:xfrm>
+        </p:spPr>
+        <p:txBody>
+          <a:bodyPr>
+            <a:normAutofit/>
+          </a:bodyPr>
+          <a:lstStyle/>
+          <a:p>
+            <a:r>
+              <a:rPr lang="pt-BR" dirty="0"/>
+              <a:t>Esperado</a:t>
+            </a:r>
+          </a:p>
+        </p:txBody>
+      </p:sp>
+      <p:sp>
+        <p:nvSpPr>
+          <p:cNvPr id="3" name="Espaço Reservado para Conteúdo 2"/>
+          <p:cNvSpPr>
+            <a:spLocks noGrp="1"/>
+          </p:cNvSpPr>
+          <p:nvPr>
+            <p:ph idx="1"/>
+          </p:nvPr>
+        </p:nvSpPr>
+        <p:spPr>
+          <a:xfrm>
+            <a:off x="7859485" y="2198914"/>
+            <a:ext cx="4084865" cy="3670180"/>
+          </a:xfrm>
+        </p:spPr>
+        <p:txBody>
+          <a:bodyPr>
+            <a:normAutofit/>
+          </a:bodyPr>
+          <a:lstStyle/>
+          <a:p>
+            <a:pPr lvl="1">
+              <a:buFont typeface="Arial" panose="020B0604020202020204" pitchFamily="34" charset="0"/>
+              <a:buChar char="•"/>
+            </a:pPr>
+            <a:r>
+              <a:rPr lang="pt-BR" dirty="0"/>
+              <a:t>Regressão das médias em escala logarítmica</a:t>
+            </a:r>
+          </a:p>
+          <a:p>
+            <a:pPr lvl="1">
+              <a:buFont typeface="Arial" panose="020B0604020202020204" pitchFamily="34" charset="0"/>
+              <a:buChar char="•"/>
+            </a:pPr>
+            <a:endParaRPr lang="pt-BR" dirty="0"/>
+          </a:p>
+          <a:p>
+            <a:pPr lvl="1">
+              <a:buFont typeface="Arial" panose="020B0604020202020204" pitchFamily="34" charset="0"/>
+              <a:buChar char="•"/>
+            </a:pPr>
+            <a:r>
+              <a:rPr lang="pt-BR" dirty="0"/>
+              <a:t>y = n</a:t>
+            </a:r>
+            <a:r>
+              <a:rPr lang="pt-BR" baseline="30000" dirty="0"/>
+              <a:t>2</a:t>
+            </a:r>
+            <a:endParaRPr lang="pt-BR" dirty="0"/>
+          </a:p>
+        </p:txBody>
+      </p:sp>
+      <p:sp>
+        <p:nvSpPr>
+          <p:cNvPr id="7" name="Espaço Reservado para Número de Slide 6"/>
+          <p:cNvSpPr>
+            <a:spLocks noGrp="1"/>
+          </p:cNvSpPr>
+          <p:nvPr>
+            <p:ph type="sldNum" sz="quarter" idx="12"/>
           </p:nvPr>
         </p:nvSpPr>
         <p:spPr/>
@@ -6533,70 +7344,17 @@
           <a:bodyPr/>
           <a:lstStyle/>
           <a:p>
-            <a:r>
-              <a:rPr lang="pt-BR" dirty="0"/>
-              <a:t>N-Queens </a:t>
-            </a:r>
-            <a:r>
-              <a:rPr lang="pt-BR" dirty="0" err="1"/>
-              <a:t>Problem</a:t>
-            </a:r>
-            <a:endParaRPr lang="pt-BR" dirty="0"/>
-          </a:p>
-        </p:txBody>
-      </p:sp>
-      <p:sp>
-        <p:nvSpPr>
-          <p:cNvPr id="3" name="Subtítulo 2"/>
-          <p:cNvSpPr>
-            <a:spLocks noGrp="1"/>
-          </p:cNvSpPr>
-          <p:nvPr>
-            <p:ph type="subTitle" idx="1"/>
-          </p:nvPr>
-        </p:nvSpPr>
-        <p:spPr/>
-        <p:txBody>
-          <a:bodyPr>
-            <a:normAutofit fontScale="85000" lnSpcReduction="20000"/>
-          </a:bodyPr>
-          <a:lstStyle/>
-          <a:p>
-            <a:r>
-              <a:rPr lang="pt-BR" dirty="0"/>
-              <a:t>Adson Marques da silva esteves</a:t>
-            </a:r>
-          </a:p>
-          <a:p>
-            <a:r>
-              <a:rPr lang="pt-BR" dirty="0"/>
-              <a:t>Alisson </a:t>
-            </a:r>
-            <a:r>
-              <a:rPr lang="pt-BR" dirty="0" err="1"/>
-              <a:t>steffens</a:t>
-            </a:r>
-            <a:r>
-              <a:rPr lang="pt-BR" dirty="0"/>
-              <a:t> Henrique</a:t>
-            </a:r>
-          </a:p>
-          <a:p>
-            <a:r>
-              <a:rPr lang="pt-BR" dirty="0"/>
-              <a:t>Augusto C. </a:t>
-            </a:r>
-            <a:r>
-              <a:rPr lang="pt-BR" dirty="0" err="1"/>
-              <a:t>Pluschkat</a:t>
-            </a:r>
-            <a:endParaRPr lang="pt-BR" dirty="0"/>
+            <a:fld id="{15B97A44-E15A-45A7-B338-28DB75C4FCAC}" type="slidenum">
+              <a:rPr lang="pt-BR" smtClean="0"/>
+              <a:t>8</a:t>
+            </a:fld>
+            <a:endParaRPr lang="pt-BR"/>
           </a:p>
         </p:txBody>
       </p:sp>
       <p:pic>
         <p:nvPicPr>
-          <p:cNvPr id="2050" name="Picture 2" descr="http://www.clker.com/cliparts/3/2/8/3/122054664916136449portablejim_Chess_tile_-_Queen_1.svg.hi.png"/>
+          <p:cNvPr id="12" name="Picture 2" descr="http://www.clker.com/cliparts/3/2/8/3/122054664916136449portablejim_Chess_tile_-_Queen_1.svg.hi.png"/>
           <p:cNvPicPr>
             <a:picLocks noChangeAspect="1" noChangeArrowheads="1"/>
           </p:cNvPicPr>
@@ -6617,8 +7375,8 @@
         </p:blipFill>
         <p:spPr bwMode="auto">
           <a:xfrm>
-            <a:off x="9020856" y="3007112"/>
-            <a:ext cx="1178220" cy="1105563"/>
+            <a:off x="10794512" y="6032253"/>
+            <a:ext cx="555184" cy="520948"/>
           </a:xfrm>
           <a:prstGeom prst="rect">
             <a:avLst/>
@@ -6635,46 +7393,511 @@
           </a:extLst>
         </p:spPr>
       </p:pic>
-      <p:sp>
-        <p:nvSpPr>
-          <p:cNvPr id="4" name="Espaço Reservado para Número de Slide 3"/>
-          <p:cNvSpPr>
-            <a:spLocks noGrp="1"/>
-          </p:cNvSpPr>
-          <p:nvPr>
-            <p:ph type="sldNum" sz="quarter" idx="12"/>
-          </p:nvPr>
-        </p:nvSpPr>
-        <p:spPr/>
-        <p:txBody>
-          <a:bodyPr/>
-          <a:lstStyle/>
-          <a:p>
-            <a:fld id="{15B97A44-E15A-45A7-B338-28DB75C4FCAC}" type="slidenum">
-              <a:rPr lang="pt-BR" smtClean="0"/>
-              <a:t>8</a:t>
-            </a:fld>
-            <a:endParaRPr lang="pt-BR"/>
-          </a:p>
-        </p:txBody>
-      </p:sp>
+      <p:pic>
+        <p:nvPicPr>
+          <p:cNvPr id="5" name="Imagem 4" descr="Uma imagem contendo texto, mapa, céu&#10;&#10;Descrição gerada com muito alta confiança"/>
+          <p:cNvPicPr>
+            <a:picLocks noChangeAspect="1"/>
+          </p:cNvPicPr>
+          <p:nvPr/>
+        </p:nvPicPr>
+        <p:blipFill rotWithShape="1">
+          <a:blip r:embed="rId3">
+            <a:extLst>
+              <a:ext uri="{28A0092B-C50C-407E-A947-70E740481C1C}">
+                <a14:useLocalDpi xmlns:a14="http://schemas.microsoft.com/office/drawing/2010/main" val="0"/>
+              </a:ext>
+            </a:extLst>
+          </a:blip>
+          <a:srcRect r="15247"/>
+          <a:stretch/>
+        </p:blipFill>
+        <p:spPr>
+          <a:xfrm>
+            <a:off x="182678" y="634946"/>
+            <a:ext cx="7769131" cy="5242170"/>
+          </a:xfrm>
+          <a:prstGeom prst="rect">
+            <a:avLst/>
+          </a:prstGeom>
+        </p:spPr>
+      </p:pic>
     </p:spTree>
     <p:extLst>
       <p:ext uri="{BB962C8B-B14F-4D97-AF65-F5344CB8AC3E}">
-        <p14:creationId xmlns:p14="http://schemas.microsoft.com/office/powerpoint/2010/main" val="4003636474"/>
+        <p14:creationId xmlns:p14="http://schemas.microsoft.com/office/powerpoint/2010/main" val="1379989616"/>
       </p:ext>
     </p:extLst>
   </p:cSld>
   <p:clrMapOvr>
     <a:masterClrMapping/>
   </p:clrMapOvr>
-  <mc:AlternateContent xmlns:mc="http://schemas.openxmlformats.org/markup-compatibility/2006">
-    <mc:Choice xmlns:p159="http://schemas.microsoft.com/office/powerpoint/2015/09/main" Requires="p159">
+  <mc:AlternateContent xmlns:mc="http://schemas.openxmlformats.org/markup-compatibility/2006" xmlns:p159="http://schemas.microsoft.com/office/powerpoint/2015/09/main">
+    <mc:Choice Requires="p159">
       <p:transition>
         <p159:morph option="byObject"/>
       </p:transition>
     </mc:Choice>
-    <mc:Fallback>
+    <mc:Fallback xmlns="">
+      <p:transition>
+        <p:fade/>
+      </p:transition>
+    </mc:Fallback>
+  </mc:AlternateContent>
+</p:sld>
+</file>
+
+<file path=ppt/slides/slide9.xml><?xml version="1.0" encoding="utf-8"?>
+<p:sld xmlns:a="http://schemas.openxmlformats.org/drawingml/2006/main" xmlns:r="http://schemas.openxmlformats.org/officeDocument/2006/relationships" xmlns:p="http://schemas.openxmlformats.org/presentationml/2006/main">
+  <p:cSld>
+    <p:spTree>
+      <p:nvGrpSpPr>
+        <p:cNvPr id="1" name=""/>
+        <p:cNvGrpSpPr/>
+        <p:nvPr/>
+      </p:nvGrpSpPr>
+      <p:grpSpPr>
+        <a:xfrm>
+          <a:off x="0" y="0"/>
+          <a:ext cx="0" cy="0"/>
+          <a:chOff x="0" y="0"/>
+          <a:chExt cx="0" cy="0"/>
+        </a:xfrm>
+      </p:grpSpPr>
+      <p:sp useBgFill="1">
+        <p:nvSpPr>
+          <p:cNvPr id="32" name="Rectangle 31"/>
+          <p:cNvSpPr>
+            <a:spLocks noGrp="1" noRot="1" noChangeAspect="1" noMove="1" noResize="1" noEditPoints="1" noAdjustHandles="1" noChangeArrowheads="1" noChangeShapeType="1" noTextEdit="1"/>
+          </p:cNvSpPr>
+          <p:nvPr>
+            <p:extLst>
+              <p:ext uri="{386F3935-93C4-4BCD-93E2-E3B085C9AB24}">
+                <p16:designElem xmlns:p16="http://schemas.microsoft.com/office/powerpoint/2015/main" val="1"/>
+              </p:ext>
+            </p:extLst>
+          </p:nvPr>
+        </p:nvSpPr>
+        <p:spPr>
+          <a:xfrm>
+            <a:off x="0" y="0"/>
+            <a:ext cx="12192001" cy="6334316"/>
+          </a:xfrm>
+          <a:prstGeom prst="rect">
+            <a:avLst/>
+          </a:prstGeom>
+          <a:ln>
+            <a:noFill/>
+          </a:ln>
+        </p:spPr>
+        <p:style>
+          <a:lnRef idx="2">
+            <a:schemeClr val="accent1">
+              <a:shade val="50000"/>
+            </a:schemeClr>
+          </a:lnRef>
+          <a:fillRef idx="1">
+            <a:schemeClr val="accent1"/>
+          </a:fillRef>
+          <a:effectRef idx="0">
+            <a:schemeClr val="accent1"/>
+          </a:effectRef>
+          <a:fontRef idx="minor">
+            <a:schemeClr val="lt1"/>
+          </a:fontRef>
+        </p:style>
+        <p:txBody>
+          <a:bodyPr rtlCol="0" anchor="ctr"/>
+          <a:lstStyle/>
+          <a:p>
+            <a:pPr algn="ctr"/>
+            <a:endParaRPr lang="en-US"/>
+          </a:p>
+        </p:txBody>
+      </p:sp>
+      <p:sp>
+        <p:nvSpPr>
+          <p:cNvPr id="34" name="Rectangle 33"/>
+          <p:cNvSpPr>
+            <a:spLocks noGrp="1" noRot="1" noChangeAspect="1" noMove="1" noResize="1" noEditPoints="1" noAdjustHandles="1" noChangeArrowheads="1" noChangeShapeType="1" noTextEdit="1"/>
+          </p:cNvSpPr>
+          <p:nvPr>
+            <p:extLst>
+              <p:ext uri="{386F3935-93C4-4BCD-93E2-E3B085C9AB24}">
+                <p16:designElem xmlns:p16="http://schemas.microsoft.com/office/powerpoint/2015/main" val="1"/>
+              </p:ext>
+            </p:extLst>
+          </p:nvPr>
+        </p:nvSpPr>
+        <p:spPr>
+          <a:xfrm>
+            <a:off x="1" y="6400800"/>
+            <a:ext cx="12192000" cy="457200"/>
+          </a:xfrm>
+          <a:prstGeom prst="rect">
+            <a:avLst/>
+          </a:prstGeom>
+          <a:solidFill>
+            <a:schemeClr val="accent2"/>
+          </a:solidFill>
+          <a:ln>
+            <a:noFill/>
+          </a:ln>
+        </p:spPr>
+        <p:style>
+          <a:lnRef idx="2">
+            <a:schemeClr val="accent1">
+              <a:shade val="50000"/>
+            </a:schemeClr>
+          </a:lnRef>
+          <a:fillRef idx="1">
+            <a:schemeClr val="accent1"/>
+          </a:fillRef>
+          <a:effectRef idx="0">
+            <a:schemeClr val="accent1"/>
+          </a:effectRef>
+          <a:fontRef idx="minor">
+            <a:schemeClr val="lt1"/>
+          </a:fontRef>
+        </p:style>
+      </p:sp>
+      <p:sp>
+        <p:nvSpPr>
+          <p:cNvPr id="36" name="Rectangle 35"/>
+          <p:cNvSpPr>
+            <a:spLocks noGrp="1" noRot="1" noChangeAspect="1" noMove="1" noResize="1" noEditPoints="1" noAdjustHandles="1" noChangeArrowheads="1" noChangeShapeType="1" noTextEdit="1"/>
+          </p:cNvSpPr>
+          <p:nvPr>
+            <p:extLst>
+              <p:ext uri="{386F3935-93C4-4BCD-93E2-E3B085C9AB24}">
+                <p16:designElem xmlns:p16="http://schemas.microsoft.com/office/powerpoint/2015/main" val="1"/>
+              </p:ext>
+            </p:extLst>
+          </p:nvPr>
+        </p:nvSpPr>
+        <p:spPr>
+          <a:xfrm>
+            <a:off x="15" y="6334316"/>
+            <a:ext cx="12191985" cy="66484"/>
+          </a:xfrm>
+          <a:prstGeom prst="rect">
+            <a:avLst/>
+          </a:prstGeom>
+          <a:solidFill>
+            <a:schemeClr val="accent1"/>
+          </a:solidFill>
+          <a:ln>
+            <a:noFill/>
+          </a:ln>
+        </p:spPr>
+        <p:style>
+          <a:lnRef idx="2">
+            <a:schemeClr val="accent1">
+              <a:shade val="50000"/>
+            </a:schemeClr>
+          </a:lnRef>
+          <a:fillRef idx="1">
+            <a:schemeClr val="accent1"/>
+          </a:fillRef>
+          <a:effectRef idx="0">
+            <a:schemeClr val="accent1"/>
+          </a:effectRef>
+          <a:fontRef idx="minor">
+            <a:schemeClr val="lt1"/>
+          </a:fontRef>
+        </p:style>
+      </p:sp>
+      <p:cxnSp>
+        <p:nvCxnSpPr>
+          <p:cNvPr id="38" name="Straight Connector 37"/>
+          <p:cNvCxnSpPr>
+            <a:cxnSpLocks noGrp="1" noRot="1" noChangeAspect="1" noMove="1" noResize="1" noEditPoints="1" noAdjustHandles="1" noChangeArrowheads="1" noChangeShapeType="1"/>
+          </p:cNvCxnSpPr>
+          <p:nvPr>
+            <p:extLst>
+              <p:ext uri="{386F3935-93C4-4BCD-93E2-E3B085C9AB24}">
+                <p16:designElem xmlns:p16="http://schemas.microsoft.com/office/powerpoint/2015/main" val="1"/>
+              </p:ext>
+            </p:extLst>
+          </p:nvPr>
+        </p:nvCxnSpPr>
+        <p:spPr>
+          <a:xfrm>
+            <a:off x="7892143" y="2085703"/>
+            <a:ext cx="3566160" cy="0"/>
+          </a:xfrm>
+          <a:prstGeom prst="line">
+            <a:avLst/>
+          </a:prstGeom>
+          <a:ln w="6350">
+            <a:solidFill>
+              <a:schemeClr val="tx1">
+                <a:lumMod val="50000"/>
+                <a:lumOff val="50000"/>
+                <a:alpha val="90000"/>
+              </a:schemeClr>
+            </a:solidFill>
+          </a:ln>
+        </p:spPr>
+        <p:style>
+          <a:lnRef idx="1">
+            <a:schemeClr val="accent1"/>
+          </a:lnRef>
+          <a:fillRef idx="0">
+            <a:schemeClr val="accent1"/>
+          </a:fillRef>
+          <a:effectRef idx="0">
+            <a:schemeClr val="accent1"/>
+          </a:effectRef>
+          <a:fontRef idx="minor">
+            <a:schemeClr val="tx1"/>
+          </a:fontRef>
+        </p:style>
+      </p:cxnSp>
+      <p:sp>
+        <p:nvSpPr>
+          <p:cNvPr id="2" name="Título 1"/>
+          <p:cNvSpPr>
+            <a:spLocks noGrp="1"/>
+          </p:cNvSpPr>
+          <p:nvPr>
+            <p:ph type="title"/>
+          </p:nvPr>
+        </p:nvSpPr>
+        <p:spPr>
+          <a:xfrm>
+            <a:off x="7859485" y="634946"/>
+            <a:ext cx="3690257" cy="1450757"/>
+          </a:xfrm>
+        </p:spPr>
+        <p:txBody>
+          <a:bodyPr>
+            <a:normAutofit/>
+          </a:bodyPr>
+          <a:lstStyle/>
+          <a:p>
+            <a:r>
+              <a:rPr lang="pt-BR" dirty="0"/>
+              <a:t>Resultados</a:t>
+            </a:r>
+          </a:p>
+        </p:txBody>
+      </p:sp>
+      <p:sp>
+        <p:nvSpPr>
+          <p:cNvPr id="3" name="Espaço Reservado para Conteúdo 2"/>
+          <p:cNvSpPr>
+            <a:spLocks noGrp="1"/>
+          </p:cNvSpPr>
+          <p:nvPr>
+            <p:ph idx="1"/>
+          </p:nvPr>
+        </p:nvSpPr>
+        <p:spPr>
+          <a:xfrm>
+            <a:off x="7859485" y="2198914"/>
+            <a:ext cx="4084865" cy="3670180"/>
+          </a:xfrm>
+        </p:spPr>
+        <p:txBody>
+          <a:bodyPr>
+            <a:normAutofit/>
+          </a:bodyPr>
+          <a:lstStyle/>
+          <a:p>
+            <a:pPr lvl="1">
+              <a:buFont typeface="Arial" panose="020B0604020202020204" pitchFamily="34" charset="0"/>
+              <a:buChar char="•"/>
+            </a:pPr>
+            <a:r>
+              <a:rPr lang="pt-BR" dirty="0"/>
+              <a:t>Regressão das médias em escala logarítmica</a:t>
+            </a:r>
+          </a:p>
+          <a:p>
+            <a:pPr lvl="1">
+              <a:buFont typeface="Arial" panose="020B0604020202020204" pitchFamily="34" charset="0"/>
+              <a:buChar char="•"/>
+            </a:pPr>
+            <a:endParaRPr lang="pt-BR" dirty="0"/>
+          </a:p>
+          <a:p>
+            <a:pPr lvl="1">
+              <a:buFont typeface="Arial" panose="020B0604020202020204" pitchFamily="34" charset="0"/>
+              <a:buChar char="•"/>
+            </a:pPr>
+            <a:r>
+              <a:rPr lang="pt-BR" dirty="0" err="1"/>
+              <a:t>lm</a:t>
+            </a:r>
+            <a:r>
+              <a:rPr lang="pt-BR" dirty="0"/>
+              <a:t>(log(</a:t>
+            </a:r>
+            <a:r>
+              <a:rPr lang="pt-BR" dirty="0" err="1"/>
+              <a:t>dados$Iteracoes</a:t>
+            </a:r>
+            <a:r>
+              <a:rPr lang="pt-BR" dirty="0"/>
+              <a:t>)~log(</a:t>
+            </a:r>
+            <a:r>
+              <a:rPr lang="pt-BR" dirty="0" err="1"/>
+              <a:t>dados$N</a:t>
+            </a:r>
+            <a:r>
+              <a:rPr lang="pt-BR" dirty="0"/>
+              <a:t>))</a:t>
+            </a:r>
+          </a:p>
+          <a:p>
+            <a:pPr lvl="1">
+              <a:buFont typeface="Arial" panose="020B0604020202020204" pitchFamily="34" charset="0"/>
+              <a:buChar char="•"/>
+            </a:pPr>
+            <a:endParaRPr lang="pt-BR" dirty="0"/>
+          </a:p>
+          <a:p>
+            <a:pPr lvl="1">
+              <a:buFont typeface="Arial" panose="020B0604020202020204" pitchFamily="34" charset="0"/>
+              <a:buChar char="•"/>
+            </a:pPr>
+            <a:r>
+              <a:rPr lang="pt-BR" dirty="0"/>
+              <a:t>y = n</a:t>
+            </a:r>
+            <a:r>
+              <a:rPr lang="pt-BR" baseline="30000" dirty="0"/>
+              <a:t>1.713 </a:t>
+            </a:r>
+          </a:p>
+          <a:p>
+            <a:pPr lvl="1">
+              <a:buFont typeface="Arial" panose="020B0604020202020204" pitchFamily="34" charset="0"/>
+              <a:buChar char="•"/>
+            </a:pPr>
+            <a:r>
+              <a:rPr lang="pt-BR" dirty="0" err="1"/>
+              <a:t>Intercept</a:t>
+            </a:r>
+            <a:r>
+              <a:rPr lang="pt-BR" dirty="0"/>
+              <a:t> = 1.647</a:t>
+            </a:r>
+          </a:p>
+        </p:txBody>
+      </p:sp>
+      <p:sp>
+        <p:nvSpPr>
+          <p:cNvPr id="8" name="Espaço Reservado para Número de Slide 7"/>
+          <p:cNvSpPr>
+            <a:spLocks noGrp="1"/>
+          </p:cNvSpPr>
+          <p:nvPr>
+            <p:ph type="sldNum" sz="quarter" idx="12"/>
+          </p:nvPr>
+        </p:nvSpPr>
+        <p:spPr/>
+        <p:txBody>
+          <a:bodyPr/>
+          <a:lstStyle/>
+          <a:p>
+            <a:fld id="{15B97A44-E15A-45A7-B338-28DB75C4FCAC}" type="slidenum">
+              <a:rPr lang="pt-BR" smtClean="0"/>
+              <a:t>9</a:t>
+            </a:fld>
+            <a:endParaRPr lang="pt-BR"/>
+          </a:p>
+        </p:txBody>
+      </p:sp>
+      <p:pic>
+        <p:nvPicPr>
+          <p:cNvPr id="13" name="Picture 2" descr="http://www.clker.com/cliparts/3/2/8/3/122054664916136449portablejim_Chess_tile_-_Queen_1.svg.hi.png"/>
+          <p:cNvPicPr>
+            <a:picLocks noChangeAspect="1" noChangeArrowheads="1"/>
+          </p:cNvPicPr>
+          <p:nvPr/>
+        </p:nvPicPr>
+        <p:blipFill>
+          <a:blip r:embed="rId2">
+            <a:extLst>
+              <a:ext uri="{28A0092B-C50C-407E-A947-70E740481C1C}">
+                <a14:useLocalDpi xmlns:a14="http://schemas.microsoft.com/office/drawing/2010/main" val="0"/>
+              </a:ext>
+            </a:extLst>
+          </a:blip>
+          <a:srcRect/>
+          <a:stretch>
+            <a:fillRect/>
+          </a:stretch>
+        </p:blipFill>
+        <p:spPr bwMode="auto">
+          <a:xfrm>
+            <a:off x="10794512" y="6032253"/>
+            <a:ext cx="555184" cy="520948"/>
+          </a:xfrm>
+          <a:prstGeom prst="rect">
+            <a:avLst/>
+          </a:prstGeom>
+          <a:noFill/>
+          <a:extLst>
+            <a:ext uri="{909E8E84-426E-40DD-AFC4-6F175D3DCCD1}">
+              <a14:hiddenFill xmlns:a14="http://schemas.microsoft.com/office/drawing/2010/main">
+                <a:solidFill>
+                  <a:srgbClr val="FFFFFF"/>
+                </a:solidFill>
+              </a14:hiddenFill>
+            </a:ext>
+          </a:extLst>
+        </p:spPr>
+      </p:pic>
+      <p:pic>
+        <p:nvPicPr>
+          <p:cNvPr id="6" name="Imagem 5" descr="Uma imagem contendo mapa, texto&#10;&#10;Descrição gerada com muito alta confiança"/>
+          <p:cNvPicPr>
+            <a:picLocks noChangeAspect="1"/>
+          </p:cNvPicPr>
+          <p:nvPr/>
+        </p:nvPicPr>
+        <p:blipFill rotWithShape="1">
+          <a:blip r:embed="rId3">
+            <a:extLst>
+              <a:ext uri="{28A0092B-C50C-407E-A947-70E740481C1C}">
+                <a14:useLocalDpi xmlns:a14="http://schemas.microsoft.com/office/drawing/2010/main" val="0"/>
+              </a:ext>
+            </a:extLst>
+          </a:blip>
+          <a:srcRect r="15327"/>
+          <a:stretch/>
+        </p:blipFill>
+        <p:spPr>
+          <a:xfrm>
+            <a:off x="214220" y="667914"/>
+            <a:ext cx="7553826" cy="5056022"/>
+          </a:xfrm>
+          <a:prstGeom prst="rect">
+            <a:avLst/>
+          </a:prstGeom>
+        </p:spPr>
+      </p:pic>
+    </p:spTree>
+    <p:extLst>
+      <p:ext uri="{BB962C8B-B14F-4D97-AF65-F5344CB8AC3E}">
+        <p14:creationId xmlns:p14="http://schemas.microsoft.com/office/powerpoint/2010/main" val="2234503657"/>
+      </p:ext>
+    </p:extLst>
+  </p:cSld>
+  <p:clrMapOvr>
+    <a:masterClrMapping/>
+  </p:clrMapOvr>
+  <mc:AlternateContent xmlns:mc="http://schemas.openxmlformats.org/markup-compatibility/2006" xmlns:p159="http://schemas.microsoft.com/office/powerpoint/2015/09/main">
+    <mc:Choice Requires="p159">
+      <p:transition>
+        <p159:morph option="byObject"/>
+      </p:transition>
+    </mc:Choice>
+    <mc:Fallback xmlns="">
       <p:transition>
         <p:fade/>
       </p:transition>
